--- a/mylearnings/mylecturenotes/GlassBox_ML_and_CorporateBondReturns.pptx
+++ b/mylearnings/mylecturenotes/GlassBox_ML_and_CorporateBondReturns.pptx
@@ -5,7 +5,7 @@
     <p:sldMasterId id="2147483648" r:id="rId1"/>
   </p:sldMasterIdLst>
   <p:notesMasterIdLst>
-    <p:notesMasterId r:id="rId28"/>
+    <p:notesMasterId r:id="rId29"/>
   </p:notesMasterIdLst>
   <p:sldIdLst>
     <p:sldId id="256" r:id="rId2"/>
@@ -22,18 +22,19 @@
     <p:sldId id="265" r:id="rId13"/>
     <p:sldId id="266" r:id="rId14"/>
     <p:sldId id="268" r:id="rId15"/>
-    <p:sldId id="269" r:id="rId16"/>
-    <p:sldId id="270" r:id="rId17"/>
-    <p:sldId id="276" r:id="rId18"/>
-    <p:sldId id="277" r:id="rId19"/>
-    <p:sldId id="271" r:id="rId20"/>
-    <p:sldId id="272" r:id="rId21"/>
-    <p:sldId id="273" r:id="rId22"/>
-    <p:sldId id="274" r:id="rId23"/>
-    <p:sldId id="275" r:id="rId24"/>
-    <p:sldId id="280" r:id="rId25"/>
-    <p:sldId id="281" r:id="rId26"/>
-    <p:sldId id="278" r:id="rId27"/>
+    <p:sldId id="283" r:id="rId16"/>
+    <p:sldId id="269" r:id="rId17"/>
+    <p:sldId id="270" r:id="rId18"/>
+    <p:sldId id="276" r:id="rId19"/>
+    <p:sldId id="277" r:id="rId20"/>
+    <p:sldId id="271" r:id="rId21"/>
+    <p:sldId id="272" r:id="rId22"/>
+    <p:sldId id="273" r:id="rId23"/>
+    <p:sldId id="274" r:id="rId24"/>
+    <p:sldId id="275" r:id="rId25"/>
+    <p:sldId id="280" r:id="rId26"/>
+    <p:sldId id="281" r:id="rId27"/>
+    <p:sldId id="278" r:id="rId28"/>
   </p:sldIdLst>
   <p:sldSz cx="12192000" cy="6858000"/>
   <p:notesSz cx="6858000" cy="9144000"/>
@@ -717,7 +718,91 @@
           <a:p>
             <a:fld id="{93477369-5FB8-BA47-AC51-3FC5A2167640}" type="slidenum">
               <a:rPr lang="en-US" smtClean="0"/>
-              <a:t>22</a:t>
+              <a:t>15</a:t>
+            </a:fld>
+            <a:endParaRPr lang="en-US"/>
+          </a:p>
+        </p:txBody>
+      </p:sp>
+    </p:spTree>
+    <p:extLst>
+      <p:ext uri="{BB962C8B-B14F-4D97-AF65-F5344CB8AC3E}">
+        <p14:creationId xmlns:p14="http://schemas.microsoft.com/office/powerpoint/2010/main" val="1123184156"/>
+      </p:ext>
+    </p:extLst>
+  </p:cSld>
+  <p:clrMapOvr>
+    <a:masterClrMapping/>
+  </p:clrMapOvr>
+</p:notes>
+</file>
+
+<file path=ppt/notesSlides/notesSlide4.xml><?xml version="1.0" encoding="utf-8"?>
+<p:notes xmlns:a="http://schemas.openxmlformats.org/drawingml/2006/main" xmlns:r="http://schemas.openxmlformats.org/officeDocument/2006/relationships" xmlns:p="http://schemas.openxmlformats.org/presentationml/2006/main">
+  <p:cSld>
+    <p:spTree>
+      <p:nvGrpSpPr>
+        <p:cNvPr id="1" name=""/>
+        <p:cNvGrpSpPr/>
+        <p:nvPr/>
+      </p:nvGrpSpPr>
+      <p:grpSpPr>
+        <a:xfrm>
+          <a:off x="0" y="0"/>
+          <a:ext cx="0" cy="0"/>
+          <a:chOff x="0" y="0"/>
+          <a:chExt cx="0" cy="0"/>
+        </a:xfrm>
+      </p:grpSpPr>
+      <p:sp>
+        <p:nvSpPr>
+          <p:cNvPr id="2" name="Slide Image Placeholder 1"/>
+          <p:cNvSpPr>
+            <a:spLocks noGrp="1" noRot="1" noChangeAspect="1"/>
+          </p:cNvSpPr>
+          <p:nvPr>
+            <p:ph type="sldImg"/>
+          </p:nvPr>
+        </p:nvSpPr>
+        <p:spPr/>
+      </p:sp>
+      <p:sp>
+        <p:nvSpPr>
+          <p:cNvPr id="3" name="Notes Placeholder 2"/>
+          <p:cNvSpPr>
+            <a:spLocks noGrp="1"/>
+          </p:cNvSpPr>
+          <p:nvPr>
+            <p:ph type="body" idx="1"/>
+          </p:nvPr>
+        </p:nvSpPr>
+        <p:spPr/>
+        <p:txBody>
+          <a:bodyPr/>
+          <a:lstStyle/>
+          <a:p>
+            <a:endParaRPr lang="en-US" dirty="0"/>
+          </a:p>
+        </p:txBody>
+      </p:sp>
+      <p:sp>
+        <p:nvSpPr>
+          <p:cNvPr id="4" name="Slide Number Placeholder 3"/>
+          <p:cNvSpPr>
+            <a:spLocks noGrp="1"/>
+          </p:cNvSpPr>
+          <p:nvPr>
+            <p:ph type="sldNum" sz="quarter" idx="5"/>
+          </p:nvPr>
+        </p:nvSpPr>
+        <p:spPr/>
+        <p:txBody>
+          <a:bodyPr/>
+          <a:lstStyle/>
+          <a:p>
+            <a:fld id="{93477369-5FB8-BA47-AC51-3FC5A2167640}" type="slidenum">
+              <a:rPr lang="en-US" smtClean="0"/>
+              <a:t>23</a:t>
             </a:fld>
             <a:endParaRPr lang="en-US"/>
           </a:p>
@@ -4921,6 +5006,243 @@
           <p:cNvPr id="2" name="Title 1">
             <a:extLst>
               <a:ext uri="{FF2B5EF4-FFF2-40B4-BE49-F238E27FC236}">
+                <a16:creationId xmlns:a16="http://schemas.microsoft.com/office/drawing/2014/main" id="{7C07B14D-FD43-AD4D-7D9C-FFC4CDC2C8E2}"/>
+              </a:ext>
+            </a:extLst>
+          </p:cNvPr>
+          <p:cNvSpPr>
+            <a:spLocks noGrp="1"/>
+          </p:cNvSpPr>
+          <p:nvPr>
+            <p:ph type="title"/>
+          </p:nvPr>
+        </p:nvSpPr>
+        <p:spPr>
+          <a:xfrm>
+            <a:off x="0" y="0"/>
+            <a:ext cx="10515600" cy="706930"/>
+          </a:xfrm>
+        </p:spPr>
+        <p:txBody>
+          <a:bodyPr/>
+          <a:lstStyle/>
+          <a:p>
+            <a:r>
+              <a:rPr lang="en-US" dirty="0"/>
+              <a:t>Methodology of excess return calculation</a:t>
+            </a:r>
+          </a:p>
+        </p:txBody>
+      </p:sp>
+      <p:sp>
+        <p:nvSpPr>
+          <p:cNvPr id="3" name="Content Placeholder 2">
+            <a:extLst>
+              <a:ext uri="{FF2B5EF4-FFF2-40B4-BE49-F238E27FC236}">
+                <a16:creationId xmlns:a16="http://schemas.microsoft.com/office/drawing/2014/main" id="{615F86AE-B4F6-77A4-2117-D9F92A3A6EDB}"/>
+              </a:ext>
+            </a:extLst>
+          </p:cNvPr>
+          <p:cNvSpPr>
+            <a:spLocks noGrp="1"/>
+          </p:cNvSpPr>
+          <p:nvPr>
+            <p:ph idx="1"/>
+          </p:nvPr>
+        </p:nvSpPr>
+        <p:spPr>
+          <a:xfrm>
+            <a:off x="1261241" y="6342665"/>
+            <a:ext cx="8516007" cy="365125"/>
+          </a:xfrm>
+        </p:spPr>
+        <p:txBody>
+          <a:bodyPr>
+            <a:normAutofit/>
+          </a:bodyPr>
+          <a:lstStyle/>
+          <a:p>
+            <a:pPr marL="0" indent="0">
+              <a:buNone/>
+            </a:pPr>
+            <a:r>
+              <a:rPr lang="en-US" sz="1200" dirty="0">
+                <a:effectLst/>
+                <a:latin typeface="LucidaBrightOT-Identity-H"/>
+              </a:rPr>
+              <a:t>Kelly, Bryan, Diogo </a:t>
+            </a:r>
+            <a:r>
+              <a:rPr lang="en-US" sz="1200" dirty="0" err="1">
+                <a:effectLst/>
+                <a:latin typeface="LucidaBrightOT-Identity-H"/>
+              </a:rPr>
+              <a:t>Palhares</a:t>
+            </a:r>
+            <a:r>
+              <a:rPr lang="en-US" sz="1200" dirty="0">
+                <a:effectLst/>
+                <a:latin typeface="LucidaBrightOT-Identity-H"/>
+              </a:rPr>
+              <a:t>, and Seth Pruitt (2023) “</a:t>
+            </a:r>
+            <a:r>
+              <a:rPr lang="en-US" sz="1200" dirty="0">
+                <a:effectLst/>
+                <a:latin typeface="LucidaBrightOT-Identity-H"/>
+                <a:hlinkClick r:id="rId3"/>
+              </a:rPr>
+              <a:t>Modeling corporate bond returns</a:t>
+            </a:r>
+            <a:r>
+              <a:rPr lang="en-US" sz="1200" dirty="0">
+                <a:effectLst/>
+                <a:latin typeface="LucidaBrightOT-Identity-H"/>
+              </a:rPr>
+              <a:t>,” </a:t>
+            </a:r>
+            <a:r>
+              <a:rPr lang="en-US" sz="1200" dirty="0">
+                <a:effectLst/>
+                <a:latin typeface="LucidaBrightOT-Italic-Identity-H"/>
+              </a:rPr>
+              <a:t>The Journal of  Finance</a:t>
+            </a:r>
+            <a:r>
+              <a:rPr lang="en-US" sz="1200" dirty="0">
+                <a:effectLst/>
+                <a:latin typeface="LucidaBrightOT-Identity-H"/>
+              </a:rPr>
+              <a:t>.</a:t>
+            </a:r>
+            <a:endParaRPr lang="en-US" sz="2400" dirty="0"/>
+          </a:p>
+        </p:txBody>
+      </p:sp>
+      <p:sp>
+        <p:nvSpPr>
+          <p:cNvPr id="4" name="Slide Number Placeholder 3">
+            <a:extLst>
+              <a:ext uri="{FF2B5EF4-FFF2-40B4-BE49-F238E27FC236}">
+                <a16:creationId xmlns:a16="http://schemas.microsoft.com/office/drawing/2014/main" id="{3DAD5A85-CBD5-C3C0-1FB6-0678384333ED}"/>
+              </a:ext>
+            </a:extLst>
+          </p:cNvPr>
+          <p:cNvSpPr>
+            <a:spLocks noGrp="1"/>
+          </p:cNvSpPr>
+          <p:nvPr>
+            <p:ph type="sldNum" sz="quarter" idx="12"/>
+          </p:nvPr>
+        </p:nvSpPr>
+        <p:spPr/>
+        <p:txBody>
+          <a:bodyPr/>
+          <a:lstStyle/>
+          <a:p>
+            <a:fld id="{281539D4-88A6-9745-9469-4F5F2210A50A}" type="slidenum">
+              <a:rPr lang="en-US" smtClean="0"/>
+              <a:t>15</a:t>
+            </a:fld>
+            <a:endParaRPr lang="en-US"/>
+          </a:p>
+        </p:txBody>
+      </p:sp>
+      <p:pic>
+        <p:nvPicPr>
+          <p:cNvPr id="7" name="Picture 6">
+            <a:extLst>
+              <a:ext uri="{FF2B5EF4-FFF2-40B4-BE49-F238E27FC236}">
+                <a16:creationId xmlns:a16="http://schemas.microsoft.com/office/drawing/2014/main" id="{C7B5FAAE-B314-3853-4524-D9B65037AF53}"/>
+              </a:ext>
+            </a:extLst>
+          </p:cNvPr>
+          <p:cNvPicPr>
+            <a:picLocks noChangeAspect="1"/>
+          </p:cNvPicPr>
+          <p:nvPr/>
+        </p:nvPicPr>
+        <p:blipFill>
+          <a:blip r:embed="rId4"/>
+          <a:stretch>
+            <a:fillRect/>
+          </a:stretch>
+        </p:blipFill>
+        <p:spPr>
+          <a:xfrm>
+            <a:off x="198560" y="678632"/>
+            <a:ext cx="5588049" cy="5500736"/>
+          </a:xfrm>
+          <a:prstGeom prst="rect">
+            <a:avLst/>
+          </a:prstGeom>
+        </p:spPr>
+      </p:pic>
+      <p:pic>
+        <p:nvPicPr>
+          <p:cNvPr id="8" name="Picture 7">
+            <a:extLst>
+              <a:ext uri="{FF2B5EF4-FFF2-40B4-BE49-F238E27FC236}">
+                <a16:creationId xmlns:a16="http://schemas.microsoft.com/office/drawing/2014/main" id="{74B070A6-E699-FDBA-08E6-887E34E5A3A8}"/>
+              </a:ext>
+            </a:extLst>
+          </p:cNvPr>
+          <p:cNvPicPr>
+            <a:picLocks noChangeAspect="1"/>
+          </p:cNvPicPr>
+          <p:nvPr/>
+        </p:nvPicPr>
+        <p:blipFill>
+          <a:blip r:embed="rId5"/>
+          <a:stretch>
+            <a:fillRect/>
+          </a:stretch>
+        </p:blipFill>
+        <p:spPr>
+          <a:xfrm>
+            <a:off x="6782087" y="637771"/>
+            <a:ext cx="5336624" cy="5582457"/>
+          </a:xfrm>
+          <a:prstGeom prst="rect">
+            <a:avLst/>
+          </a:prstGeom>
+        </p:spPr>
+      </p:pic>
+    </p:spTree>
+    <p:extLst>
+      <p:ext uri="{BB962C8B-B14F-4D97-AF65-F5344CB8AC3E}">
+        <p14:creationId xmlns:p14="http://schemas.microsoft.com/office/powerpoint/2010/main" val="1363935922"/>
+      </p:ext>
+    </p:extLst>
+  </p:cSld>
+  <p:clrMapOvr>
+    <a:masterClrMapping/>
+  </p:clrMapOvr>
+</p:sld>
+</file>
+
+<file path=ppt/slides/slide16.xml><?xml version="1.0" encoding="utf-8"?>
+<p:sld xmlns:a="http://schemas.openxmlformats.org/drawingml/2006/main" xmlns:r="http://schemas.openxmlformats.org/officeDocument/2006/relationships" xmlns:p="http://schemas.openxmlformats.org/presentationml/2006/main">
+  <p:cSld>
+    <p:spTree>
+      <p:nvGrpSpPr>
+        <p:cNvPr id="1" name=""/>
+        <p:cNvGrpSpPr/>
+        <p:nvPr/>
+      </p:nvGrpSpPr>
+      <p:grpSpPr>
+        <a:xfrm>
+          <a:off x="0" y="0"/>
+          <a:ext cx="0" cy="0"/>
+          <a:chOff x="0" y="0"/>
+          <a:chExt cx="0" cy="0"/>
+        </a:xfrm>
+      </p:grpSpPr>
+      <p:sp>
+        <p:nvSpPr>
+          <p:cNvPr id="2" name="Title 1">
+            <a:extLst>
+              <a:ext uri="{FF2B5EF4-FFF2-40B4-BE49-F238E27FC236}">
                 <a16:creationId xmlns:a16="http://schemas.microsoft.com/office/drawing/2014/main" id="{22D4EC78-8D20-9B69-EF42-948E5EF88EB1}"/>
               </a:ext>
             </a:extLst>
@@ -4997,7 +5319,7 @@
           <a:p>
             <a:fld id="{281539D4-88A6-9745-9469-4F5F2210A50A}" type="slidenum">
               <a:rPr lang="en-US" smtClean="0"/>
-              <a:t>15</a:t>
+              <a:t>16</a:t>
             </a:fld>
             <a:endParaRPr lang="en-US"/>
           </a:p>
@@ -5046,7 +5368,7 @@
 </p:sld>
 </file>
 
-<file path=ppt/slides/slide16.xml><?xml version="1.0" encoding="utf-8"?>
+<file path=ppt/slides/slide17.xml><?xml version="1.0" encoding="utf-8"?>
 <p:sld xmlns:a="http://schemas.openxmlformats.org/drawingml/2006/main" xmlns:r="http://schemas.openxmlformats.org/officeDocument/2006/relationships" xmlns:p="http://schemas.openxmlformats.org/presentationml/2006/main">
   <p:cSld>
     <p:spTree>
@@ -5136,7 +5458,7 @@
           <a:p>
             <a:fld id="{281539D4-88A6-9745-9469-4F5F2210A50A}" type="slidenum">
               <a:rPr lang="en-US" smtClean="0"/>
-              <a:t>16</a:t>
+              <a:t>17</a:t>
             </a:fld>
             <a:endParaRPr lang="en-US"/>
           </a:p>
@@ -5215,7 +5537,7 @@
 </p:sld>
 </file>
 
-<file path=ppt/slides/slide17.xml><?xml version="1.0" encoding="utf-8"?>
+<file path=ppt/slides/slide18.xml><?xml version="1.0" encoding="utf-8"?>
 <p:sld xmlns:a="http://schemas.openxmlformats.org/drawingml/2006/main" xmlns:r="http://schemas.openxmlformats.org/officeDocument/2006/relationships" xmlns:p="http://schemas.openxmlformats.org/presentationml/2006/main">
   <p:cSld>
     <p:spTree>
@@ -5315,7 +5637,7 @@
           <a:p>
             <a:fld id="{281539D4-88A6-9745-9469-4F5F2210A50A}" type="slidenum">
               <a:rPr lang="en-US" smtClean="0"/>
-              <a:t>17</a:t>
+              <a:t>18</a:t>
             </a:fld>
             <a:endParaRPr lang="en-US"/>
           </a:p>
@@ -5394,7 +5716,7 @@
 </p:sld>
 </file>
 
-<file path=ppt/slides/slide18.xml><?xml version="1.0" encoding="utf-8"?>
+<file path=ppt/slides/slide19.xml><?xml version="1.0" encoding="utf-8"?>
 <p:sld xmlns:a="http://schemas.openxmlformats.org/drawingml/2006/main" xmlns:r="http://schemas.openxmlformats.org/officeDocument/2006/relationships" xmlns:p="http://schemas.openxmlformats.org/presentationml/2006/main">
   <p:cSld>
     <p:spTree>
@@ -5484,7 +5806,7 @@
           <a:p>
             <a:fld id="{281539D4-88A6-9745-9469-4F5F2210A50A}" type="slidenum">
               <a:rPr lang="en-US" smtClean="0"/>
-              <a:t>18</a:t>
+              <a:t>19</a:t>
             </a:fld>
             <a:endParaRPr lang="en-US"/>
           </a:p>
@@ -5697,7 +6019,7 @@
 </p:sld>
 </file>
 
-<file path=ppt/slides/slide19.xml><?xml version="1.0" encoding="utf-8"?>
+<file path=ppt/slides/slide2.xml><?xml version="1.0" encoding="utf-8"?>
 <p:sld xmlns:a="http://schemas.openxmlformats.org/drawingml/2006/main" xmlns:r="http://schemas.openxmlformats.org/officeDocument/2006/relationships" xmlns:p="http://schemas.openxmlformats.org/presentationml/2006/main">
   <p:cSld>
     <p:spTree>
@@ -5719,6 +6041,196 @@
           <p:cNvPr id="2" name="Title 1">
             <a:extLst>
               <a:ext uri="{FF2B5EF4-FFF2-40B4-BE49-F238E27FC236}">
+                <a16:creationId xmlns:a16="http://schemas.microsoft.com/office/drawing/2014/main" id="{BB75C3B5-F809-2789-F91C-2A65012DD181}"/>
+              </a:ext>
+            </a:extLst>
+          </p:cNvPr>
+          <p:cNvSpPr>
+            <a:spLocks noGrp="1"/>
+          </p:cNvSpPr>
+          <p:nvPr>
+            <p:ph type="title"/>
+          </p:nvPr>
+        </p:nvSpPr>
+        <p:spPr>
+          <a:xfrm>
+            <a:off x="838200" y="365125"/>
+            <a:ext cx="10515600" cy="808767"/>
+          </a:xfrm>
+        </p:spPr>
+        <p:txBody>
+          <a:bodyPr/>
+          <a:lstStyle/>
+          <a:p>
+            <a:r>
+              <a:rPr lang="en-US" dirty="0"/>
+              <a:t>Agenda </a:t>
+            </a:r>
+          </a:p>
+        </p:txBody>
+      </p:sp>
+      <p:sp>
+        <p:nvSpPr>
+          <p:cNvPr id="3" name="Content Placeholder 2">
+            <a:extLst>
+              <a:ext uri="{FF2B5EF4-FFF2-40B4-BE49-F238E27FC236}">
+                <a16:creationId xmlns:a16="http://schemas.microsoft.com/office/drawing/2014/main" id="{8EDBB54C-257C-03AF-17C3-6D0D1A537C96}"/>
+              </a:ext>
+            </a:extLst>
+          </p:cNvPr>
+          <p:cNvSpPr>
+            <a:spLocks noGrp="1"/>
+          </p:cNvSpPr>
+          <p:nvPr>
+            <p:ph idx="1"/>
+          </p:nvPr>
+        </p:nvSpPr>
+        <p:spPr>
+          <a:xfrm>
+            <a:off x="838200" y="1345324"/>
+            <a:ext cx="10515600" cy="4831639"/>
+          </a:xfrm>
+        </p:spPr>
+        <p:txBody>
+          <a:bodyPr>
+            <a:normAutofit/>
+          </a:bodyPr>
+          <a:lstStyle/>
+          <a:p>
+            <a:r>
+              <a:rPr lang="en-US" dirty="0"/>
+              <a:t>Introduction</a:t>
+            </a:r>
+          </a:p>
+          <a:p>
+            <a:pPr lvl="1"/>
+            <a:r>
+              <a:rPr lang="en-US" dirty="0"/>
+              <a:t>Summary of the Research </a:t>
+            </a:r>
+          </a:p>
+          <a:p>
+            <a:pPr lvl="1"/>
+            <a:r>
+              <a:rPr lang="en-US" dirty="0"/>
+              <a:t>Key Findings and Contributions</a:t>
+            </a:r>
+          </a:p>
+          <a:p>
+            <a:r>
+              <a:rPr lang="en-US" dirty="0"/>
+              <a:t>Methodology </a:t>
+            </a:r>
+          </a:p>
+          <a:p>
+            <a:pPr lvl="1"/>
+            <a:r>
+              <a:rPr lang="en-US" dirty="0"/>
+              <a:t>Formulation</a:t>
+            </a:r>
+          </a:p>
+          <a:p>
+            <a:pPr lvl="1"/>
+            <a:r>
+              <a:rPr lang="en-US" dirty="0"/>
+              <a:t>Explainable Boosting Machines</a:t>
+            </a:r>
+          </a:p>
+          <a:p>
+            <a:pPr lvl="1"/>
+            <a:r>
+              <a:rPr lang="en-US" dirty="0"/>
+              <a:t>Evaluation</a:t>
+            </a:r>
+          </a:p>
+          <a:p>
+            <a:pPr lvl="1"/>
+            <a:r>
+              <a:rPr lang="en-US" dirty="0"/>
+              <a:t>Importances </a:t>
+            </a:r>
+          </a:p>
+          <a:p>
+            <a:r>
+              <a:rPr lang="en-US" dirty="0"/>
+              <a:t>Data</a:t>
+            </a:r>
+          </a:p>
+          <a:p>
+            <a:r>
+              <a:rPr lang="en-US" dirty="0"/>
+              <a:t>Empirical Results </a:t>
+            </a:r>
+          </a:p>
+          <a:p>
+            <a:endParaRPr lang="en-US" dirty="0"/>
+          </a:p>
+        </p:txBody>
+      </p:sp>
+      <p:sp>
+        <p:nvSpPr>
+          <p:cNvPr id="4" name="Slide Number Placeholder 3">
+            <a:extLst>
+              <a:ext uri="{FF2B5EF4-FFF2-40B4-BE49-F238E27FC236}">
+                <a16:creationId xmlns:a16="http://schemas.microsoft.com/office/drawing/2014/main" id="{C30A70E3-64D2-EB67-0B81-530353235B91}"/>
+              </a:ext>
+            </a:extLst>
+          </p:cNvPr>
+          <p:cNvSpPr>
+            <a:spLocks noGrp="1"/>
+          </p:cNvSpPr>
+          <p:nvPr>
+            <p:ph type="sldNum" sz="quarter" idx="12"/>
+          </p:nvPr>
+        </p:nvSpPr>
+        <p:spPr/>
+        <p:txBody>
+          <a:bodyPr/>
+          <a:lstStyle/>
+          <a:p>
+            <a:fld id="{281539D4-88A6-9745-9469-4F5F2210A50A}" type="slidenum">
+              <a:rPr lang="en-US" smtClean="0"/>
+              <a:t>2</a:t>
+            </a:fld>
+            <a:endParaRPr lang="en-US"/>
+          </a:p>
+        </p:txBody>
+      </p:sp>
+    </p:spTree>
+    <p:extLst>
+      <p:ext uri="{BB962C8B-B14F-4D97-AF65-F5344CB8AC3E}">
+        <p14:creationId xmlns:p14="http://schemas.microsoft.com/office/powerpoint/2010/main" val="1666810006"/>
+      </p:ext>
+    </p:extLst>
+  </p:cSld>
+  <p:clrMapOvr>
+    <a:masterClrMapping/>
+  </p:clrMapOvr>
+</p:sld>
+</file>
+
+<file path=ppt/slides/slide20.xml><?xml version="1.0" encoding="utf-8"?>
+<p:sld xmlns:a="http://schemas.openxmlformats.org/drawingml/2006/main" xmlns:r="http://schemas.openxmlformats.org/officeDocument/2006/relationships" xmlns:p="http://schemas.openxmlformats.org/presentationml/2006/main">
+  <p:cSld>
+    <p:spTree>
+      <p:nvGrpSpPr>
+        <p:cNvPr id="1" name=""/>
+        <p:cNvGrpSpPr/>
+        <p:nvPr/>
+      </p:nvGrpSpPr>
+      <p:grpSpPr>
+        <a:xfrm>
+          <a:off x="0" y="0"/>
+          <a:ext cx="0" cy="0"/>
+          <a:chOff x="0" y="0"/>
+          <a:chExt cx="0" cy="0"/>
+        </a:xfrm>
+      </p:grpSpPr>
+      <p:sp>
+        <p:nvSpPr>
+          <p:cNvPr id="2" name="Title 1">
+            <a:extLst>
+              <a:ext uri="{FF2B5EF4-FFF2-40B4-BE49-F238E27FC236}">
                 <a16:creationId xmlns:a16="http://schemas.microsoft.com/office/drawing/2014/main" id="{BE480643-C2F6-517D-25F9-0F41C131201D}"/>
               </a:ext>
             </a:extLst>
@@ -5795,7 +6307,7 @@
           <a:p>
             <a:fld id="{281539D4-88A6-9745-9469-4F5F2210A50A}" type="slidenum">
               <a:rPr lang="en-US" smtClean="0"/>
-              <a:t>19</a:t>
+              <a:t>20</a:t>
             </a:fld>
             <a:endParaRPr lang="en-US"/>
           </a:p>
@@ -5874,7 +6386,7 @@
 </p:sld>
 </file>
 
-<file path=ppt/slides/slide2.xml><?xml version="1.0" encoding="utf-8"?>
+<file path=ppt/slides/slide21.xml><?xml version="1.0" encoding="utf-8"?>
 <p:sld xmlns:a="http://schemas.openxmlformats.org/drawingml/2006/main" xmlns:r="http://schemas.openxmlformats.org/officeDocument/2006/relationships" xmlns:p="http://schemas.openxmlformats.org/presentationml/2006/main">
   <p:cSld>
     <p:spTree>
@@ -5896,196 +6408,6 @@
           <p:cNvPr id="2" name="Title 1">
             <a:extLst>
               <a:ext uri="{FF2B5EF4-FFF2-40B4-BE49-F238E27FC236}">
-                <a16:creationId xmlns:a16="http://schemas.microsoft.com/office/drawing/2014/main" id="{BB75C3B5-F809-2789-F91C-2A65012DD181}"/>
-              </a:ext>
-            </a:extLst>
-          </p:cNvPr>
-          <p:cNvSpPr>
-            <a:spLocks noGrp="1"/>
-          </p:cNvSpPr>
-          <p:nvPr>
-            <p:ph type="title"/>
-          </p:nvPr>
-        </p:nvSpPr>
-        <p:spPr>
-          <a:xfrm>
-            <a:off x="838200" y="365125"/>
-            <a:ext cx="10515600" cy="808767"/>
-          </a:xfrm>
-        </p:spPr>
-        <p:txBody>
-          <a:bodyPr/>
-          <a:lstStyle/>
-          <a:p>
-            <a:r>
-              <a:rPr lang="en-US" dirty="0"/>
-              <a:t>Agenda </a:t>
-            </a:r>
-          </a:p>
-        </p:txBody>
-      </p:sp>
-      <p:sp>
-        <p:nvSpPr>
-          <p:cNvPr id="3" name="Content Placeholder 2">
-            <a:extLst>
-              <a:ext uri="{FF2B5EF4-FFF2-40B4-BE49-F238E27FC236}">
-                <a16:creationId xmlns:a16="http://schemas.microsoft.com/office/drawing/2014/main" id="{8EDBB54C-257C-03AF-17C3-6D0D1A537C96}"/>
-              </a:ext>
-            </a:extLst>
-          </p:cNvPr>
-          <p:cNvSpPr>
-            <a:spLocks noGrp="1"/>
-          </p:cNvSpPr>
-          <p:nvPr>
-            <p:ph idx="1"/>
-          </p:nvPr>
-        </p:nvSpPr>
-        <p:spPr>
-          <a:xfrm>
-            <a:off x="838200" y="1345324"/>
-            <a:ext cx="10515600" cy="4831639"/>
-          </a:xfrm>
-        </p:spPr>
-        <p:txBody>
-          <a:bodyPr>
-            <a:normAutofit/>
-          </a:bodyPr>
-          <a:lstStyle/>
-          <a:p>
-            <a:r>
-              <a:rPr lang="en-US" dirty="0"/>
-              <a:t>Introduction</a:t>
-            </a:r>
-          </a:p>
-          <a:p>
-            <a:pPr lvl="1"/>
-            <a:r>
-              <a:rPr lang="en-US" dirty="0"/>
-              <a:t>Summary of the Research </a:t>
-            </a:r>
-          </a:p>
-          <a:p>
-            <a:pPr lvl="1"/>
-            <a:r>
-              <a:rPr lang="en-US" dirty="0"/>
-              <a:t>Key Findings and Contributions</a:t>
-            </a:r>
-          </a:p>
-          <a:p>
-            <a:r>
-              <a:rPr lang="en-US" dirty="0"/>
-              <a:t>Methodology </a:t>
-            </a:r>
-          </a:p>
-          <a:p>
-            <a:pPr lvl="1"/>
-            <a:r>
-              <a:rPr lang="en-US" dirty="0"/>
-              <a:t>Formulation</a:t>
-            </a:r>
-          </a:p>
-          <a:p>
-            <a:pPr lvl="1"/>
-            <a:r>
-              <a:rPr lang="en-US" dirty="0"/>
-              <a:t>Explainable Boosting Machines</a:t>
-            </a:r>
-          </a:p>
-          <a:p>
-            <a:pPr lvl="1"/>
-            <a:r>
-              <a:rPr lang="en-US" dirty="0"/>
-              <a:t>Evaluation</a:t>
-            </a:r>
-          </a:p>
-          <a:p>
-            <a:pPr lvl="1"/>
-            <a:r>
-              <a:rPr lang="en-US" dirty="0"/>
-              <a:t>Importances </a:t>
-            </a:r>
-          </a:p>
-          <a:p>
-            <a:r>
-              <a:rPr lang="en-US" dirty="0"/>
-              <a:t>Data</a:t>
-            </a:r>
-          </a:p>
-          <a:p>
-            <a:r>
-              <a:rPr lang="en-US" dirty="0"/>
-              <a:t>Empirical Results </a:t>
-            </a:r>
-          </a:p>
-          <a:p>
-            <a:endParaRPr lang="en-US" dirty="0"/>
-          </a:p>
-        </p:txBody>
-      </p:sp>
-      <p:sp>
-        <p:nvSpPr>
-          <p:cNvPr id="4" name="Slide Number Placeholder 3">
-            <a:extLst>
-              <a:ext uri="{FF2B5EF4-FFF2-40B4-BE49-F238E27FC236}">
-                <a16:creationId xmlns:a16="http://schemas.microsoft.com/office/drawing/2014/main" id="{C30A70E3-64D2-EB67-0B81-530353235B91}"/>
-              </a:ext>
-            </a:extLst>
-          </p:cNvPr>
-          <p:cNvSpPr>
-            <a:spLocks noGrp="1"/>
-          </p:cNvSpPr>
-          <p:nvPr>
-            <p:ph type="sldNum" sz="quarter" idx="12"/>
-          </p:nvPr>
-        </p:nvSpPr>
-        <p:spPr/>
-        <p:txBody>
-          <a:bodyPr/>
-          <a:lstStyle/>
-          <a:p>
-            <a:fld id="{281539D4-88A6-9745-9469-4F5F2210A50A}" type="slidenum">
-              <a:rPr lang="en-US" smtClean="0"/>
-              <a:t>2</a:t>
-            </a:fld>
-            <a:endParaRPr lang="en-US"/>
-          </a:p>
-        </p:txBody>
-      </p:sp>
-    </p:spTree>
-    <p:extLst>
-      <p:ext uri="{BB962C8B-B14F-4D97-AF65-F5344CB8AC3E}">
-        <p14:creationId xmlns:p14="http://schemas.microsoft.com/office/powerpoint/2010/main" val="1666810006"/>
-      </p:ext>
-    </p:extLst>
-  </p:cSld>
-  <p:clrMapOvr>
-    <a:masterClrMapping/>
-  </p:clrMapOvr>
-</p:sld>
-</file>
-
-<file path=ppt/slides/slide20.xml><?xml version="1.0" encoding="utf-8"?>
-<p:sld xmlns:a="http://schemas.openxmlformats.org/drawingml/2006/main" xmlns:r="http://schemas.openxmlformats.org/officeDocument/2006/relationships" xmlns:p="http://schemas.openxmlformats.org/presentationml/2006/main">
-  <p:cSld>
-    <p:spTree>
-      <p:nvGrpSpPr>
-        <p:cNvPr id="1" name=""/>
-        <p:cNvGrpSpPr/>
-        <p:nvPr/>
-      </p:nvGrpSpPr>
-      <p:grpSpPr>
-        <a:xfrm>
-          <a:off x="0" y="0"/>
-          <a:ext cx="0" cy="0"/>
-          <a:chOff x="0" y="0"/>
-          <a:chExt cx="0" cy="0"/>
-        </a:xfrm>
-      </p:grpSpPr>
-      <p:sp>
-        <p:nvSpPr>
-          <p:cNvPr id="2" name="Title 1">
-            <a:extLst>
-              <a:ext uri="{FF2B5EF4-FFF2-40B4-BE49-F238E27FC236}">
                 <a16:creationId xmlns:a16="http://schemas.microsoft.com/office/drawing/2014/main" id="{936C3C9E-C91C-2388-4E04-9E228696204F}"/>
               </a:ext>
             </a:extLst>
@@ -6162,7 +6484,7 @@
           <a:p>
             <a:fld id="{281539D4-88A6-9745-9469-4F5F2210A50A}" type="slidenum">
               <a:rPr lang="en-US" smtClean="0"/>
-              <a:t>20</a:t>
+              <a:t>21</a:t>
             </a:fld>
             <a:endParaRPr lang="en-US"/>
           </a:p>
@@ -6241,7 +6563,7 @@
 </p:sld>
 </file>
 
-<file path=ppt/slides/slide21.xml><?xml version="1.0" encoding="utf-8"?>
+<file path=ppt/slides/slide22.xml><?xml version="1.0" encoding="utf-8"?>
 <p:sld xmlns:a="http://schemas.openxmlformats.org/drawingml/2006/main" xmlns:r="http://schemas.openxmlformats.org/officeDocument/2006/relationships" xmlns:p="http://schemas.openxmlformats.org/presentationml/2006/main">
   <p:cSld>
     <p:spTree>
@@ -6341,7 +6663,7 @@
           <a:p>
             <a:fld id="{281539D4-88A6-9745-9469-4F5F2210A50A}" type="slidenum">
               <a:rPr lang="en-US" smtClean="0"/>
-              <a:t>21</a:t>
+              <a:t>22</a:t>
             </a:fld>
             <a:endParaRPr lang="en-US"/>
           </a:p>
@@ -6420,7 +6742,7 @@
 </p:sld>
 </file>
 
-<file path=ppt/slides/slide22.xml><?xml version="1.0" encoding="utf-8"?>
+<file path=ppt/slides/slide23.xml><?xml version="1.0" encoding="utf-8"?>
 <p:sld xmlns:a="http://schemas.openxmlformats.org/drawingml/2006/main" xmlns:r="http://schemas.openxmlformats.org/officeDocument/2006/relationships" xmlns:p="http://schemas.openxmlformats.org/presentationml/2006/main">
   <p:cSld>
     <p:spTree>
@@ -6520,7 +6842,7 @@
           <a:p>
             <a:fld id="{281539D4-88A6-9745-9469-4F5F2210A50A}" type="slidenum">
               <a:rPr lang="en-US" smtClean="0"/>
-              <a:t>22</a:t>
+              <a:t>23</a:t>
             </a:fld>
             <a:endParaRPr lang="en-US"/>
           </a:p>
@@ -6599,7 +6921,7 @@
 </p:sld>
 </file>
 
-<file path=ppt/slides/slide23.xml><?xml version="1.0" encoding="utf-8"?>
+<file path=ppt/slides/slide24.xml><?xml version="1.0" encoding="utf-8"?>
 <p:sld xmlns:a="http://schemas.openxmlformats.org/drawingml/2006/main" xmlns:r="http://schemas.openxmlformats.org/officeDocument/2006/relationships" xmlns:p="http://schemas.openxmlformats.org/presentationml/2006/main">
   <p:cSld>
     <p:spTree>
@@ -6699,7 +7021,7 @@
           <a:p>
             <a:fld id="{281539D4-88A6-9745-9469-4F5F2210A50A}" type="slidenum">
               <a:rPr lang="en-US" smtClean="0"/>
-              <a:t>23</a:t>
+              <a:t>24</a:t>
             </a:fld>
             <a:endParaRPr lang="en-US"/>
           </a:p>
@@ -6778,7 +7100,7 @@
 </p:sld>
 </file>
 
-<file path=ppt/slides/slide24.xml><?xml version="1.0" encoding="utf-8"?>
+<file path=ppt/slides/slide25.xml><?xml version="1.0" encoding="utf-8"?>
 <p:sld xmlns:a="http://schemas.openxmlformats.org/drawingml/2006/main" xmlns:r="http://schemas.openxmlformats.org/officeDocument/2006/relationships" xmlns:p="http://schemas.openxmlformats.org/presentationml/2006/main">
   <p:cSld>
     <p:spTree>
@@ -6876,7 +7198,7 @@
           <a:p>
             <a:fld id="{281539D4-88A6-9745-9469-4F5F2210A50A}" type="slidenum">
               <a:rPr lang="en-US" smtClean="0"/>
-              <a:t>24</a:t>
+              <a:t>25</a:t>
             </a:fld>
             <a:endParaRPr lang="en-US"/>
           </a:p>
@@ -6955,7 +7277,7 @@
 </p:sld>
 </file>
 
-<file path=ppt/slides/slide25.xml><?xml version="1.0" encoding="utf-8"?>
+<file path=ppt/slides/slide26.xml><?xml version="1.0" encoding="utf-8"?>
 <p:sld xmlns:a="http://schemas.openxmlformats.org/drawingml/2006/main" xmlns:r="http://schemas.openxmlformats.org/officeDocument/2006/relationships" xmlns:p="http://schemas.openxmlformats.org/presentationml/2006/main">
   <p:cSld>
     <p:spTree>
@@ -7045,7 +7367,7 @@
           <a:p>
             <a:fld id="{281539D4-88A6-9745-9469-4F5F2210A50A}" type="slidenum">
               <a:rPr lang="en-US" smtClean="0"/>
-              <a:t>25</a:t>
+              <a:t>26</a:t>
             </a:fld>
             <a:endParaRPr lang="en-US"/>
           </a:p>
@@ -7094,7 +7416,7 @@
 </p:sld>
 </file>
 
-<file path=ppt/slides/slide26.xml><?xml version="1.0" encoding="utf-8"?>
+<file path=ppt/slides/slide27.xml><?xml version="1.0" encoding="utf-8"?>
 <p:sld xmlns:a="http://schemas.openxmlformats.org/drawingml/2006/main" xmlns:r="http://schemas.openxmlformats.org/officeDocument/2006/relationships" xmlns:p="http://schemas.openxmlformats.org/presentationml/2006/main">
   <p:cSld>
     <p:spTree>
@@ -7226,7 +7548,7 @@
           <a:p>
             <a:fld id="{281539D4-88A6-9745-9469-4F5F2210A50A}" type="slidenum">
               <a:rPr lang="en-US" smtClean="0"/>
-              <a:t>26</a:t>
+              <a:t>27</a:t>
             </a:fld>
             <a:endParaRPr lang="en-US"/>
           </a:p>

--- a/mylearnings/mylecturenotes/GlassBox_ML_and_CorporateBondReturns.pptx
+++ b/mylearnings/mylecturenotes/GlassBox_ML_and_CorporateBondReturns.pptx
@@ -5,7 +5,7 @@
     <p:sldMasterId id="2147483648" r:id="rId1"/>
   </p:sldMasterIdLst>
   <p:notesMasterIdLst>
-    <p:notesMasterId r:id="rId29"/>
+    <p:notesMasterId r:id="rId30"/>
   </p:notesMasterIdLst>
   <p:sldIdLst>
     <p:sldId id="256" r:id="rId2"/>
@@ -16,25 +16,26 @@
     <p:sldId id="282" r:id="rId7"/>
     <p:sldId id="262" r:id="rId8"/>
     <p:sldId id="279" r:id="rId9"/>
-    <p:sldId id="267" r:id="rId10"/>
-    <p:sldId id="263" r:id="rId11"/>
-    <p:sldId id="264" r:id="rId12"/>
-    <p:sldId id="265" r:id="rId13"/>
-    <p:sldId id="266" r:id="rId14"/>
-    <p:sldId id="268" r:id="rId15"/>
-    <p:sldId id="283" r:id="rId16"/>
-    <p:sldId id="269" r:id="rId17"/>
-    <p:sldId id="270" r:id="rId18"/>
-    <p:sldId id="276" r:id="rId19"/>
-    <p:sldId id="277" r:id="rId20"/>
-    <p:sldId id="271" r:id="rId21"/>
-    <p:sldId id="272" r:id="rId22"/>
-    <p:sldId id="273" r:id="rId23"/>
-    <p:sldId id="274" r:id="rId24"/>
-    <p:sldId id="275" r:id="rId25"/>
-    <p:sldId id="280" r:id="rId26"/>
-    <p:sldId id="281" r:id="rId27"/>
-    <p:sldId id="278" r:id="rId28"/>
+    <p:sldId id="284" r:id="rId10"/>
+    <p:sldId id="267" r:id="rId11"/>
+    <p:sldId id="263" r:id="rId12"/>
+    <p:sldId id="264" r:id="rId13"/>
+    <p:sldId id="265" r:id="rId14"/>
+    <p:sldId id="266" r:id="rId15"/>
+    <p:sldId id="268" r:id="rId16"/>
+    <p:sldId id="283" r:id="rId17"/>
+    <p:sldId id="269" r:id="rId18"/>
+    <p:sldId id="270" r:id="rId19"/>
+    <p:sldId id="276" r:id="rId20"/>
+    <p:sldId id="277" r:id="rId21"/>
+    <p:sldId id="271" r:id="rId22"/>
+    <p:sldId id="272" r:id="rId23"/>
+    <p:sldId id="273" r:id="rId24"/>
+    <p:sldId id="274" r:id="rId25"/>
+    <p:sldId id="275" r:id="rId26"/>
+    <p:sldId id="280" r:id="rId27"/>
+    <p:sldId id="281" r:id="rId28"/>
+    <p:sldId id="278" r:id="rId29"/>
   </p:sldIdLst>
   <p:sldSz cx="12192000" cy="6858000"/>
   <p:notesSz cx="6858000" cy="9144000"/>
@@ -634,7 +635,7 @@
           <a:p>
             <a:fld id="{93477369-5FB8-BA47-AC51-3FC5A2167640}" type="slidenum">
               <a:rPr lang="en-US" smtClean="0"/>
-              <a:t>14</a:t>
+              <a:t>15</a:t>
             </a:fld>
             <a:endParaRPr lang="en-US"/>
           </a:p>
@@ -718,7 +719,7 @@
           <a:p>
             <a:fld id="{93477369-5FB8-BA47-AC51-3FC5A2167640}" type="slidenum">
               <a:rPr lang="en-US" smtClean="0"/>
-              <a:t>15</a:t>
+              <a:t>16</a:t>
             </a:fld>
             <a:endParaRPr lang="en-US"/>
           </a:p>
@@ -802,7 +803,7 @@
           <a:p>
             <a:fld id="{93477369-5FB8-BA47-AC51-3FC5A2167640}" type="slidenum">
               <a:rPr lang="en-US" smtClean="0"/>
-              <a:t>23</a:t>
+              <a:t>24</a:t>
             </a:fld>
             <a:endParaRPr lang="en-US"/>
           </a:p>
@@ -4052,34 +4053,45 @@
             <p:ph type="ctrTitle"/>
           </p:nvPr>
         </p:nvSpPr>
-        <p:spPr/>
-        <p:txBody>
-          <a:bodyPr/>
-          <a:lstStyle/>
-          <a:p>
-            <a:endParaRPr lang="en-US" dirty="0"/>
-          </a:p>
-        </p:txBody>
-      </p:sp>
-      <p:sp>
-        <p:nvSpPr>
-          <p:cNvPr id="3" name="Subtitle 2">
-            <a:extLst>
-              <a:ext uri="{FF2B5EF4-FFF2-40B4-BE49-F238E27FC236}">
-                <a16:creationId xmlns:a16="http://schemas.microsoft.com/office/drawing/2014/main" id="{FEEB663A-E4A5-570D-3E88-96CA4C2CA715}"/>
-              </a:ext>
-            </a:extLst>
-          </p:cNvPr>
-          <p:cNvSpPr>
-            <a:spLocks noGrp="1"/>
-          </p:cNvSpPr>
-          <p:nvPr>
-            <p:ph type="subTitle" idx="1"/>
-          </p:nvPr>
-        </p:nvSpPr>
         <p:spPr>
           <a:xfrm>
-            <a:off x="1524000" y="4717293"/>
+            <a:off x="379445" y="840469"/>
+            <a:ext cx="5797420" cy="2566339"/>
+          </a:xfrm>
+        </p:spPr>
+        <p:txBody>
+          <a:bodyPr anchor="ctr">
+            <a:normAutofit/>
+          </a:bodyPr>
+          <a:lstStyle/>
+          <a:p>
+            <a:pPr algn="l"/>
+            <a:r>
+              <a:rPr lang="en-US" sz="4800" dirty="0"/>
+              <a:t>FI Technical Book-club</a:t>
+            </a:r>
+          </a:p>
+        </p:txBody>
+      </p:sp>
+      <p:sp>
+        <p:nvSpPr>
+          <p:cNvPr id="3" name="Subtitle 2">
+            <a:extLst>
+              <a:ext uri="{FF2B5EF4-FFF2-40B4-BE49-F238E27FC236}">
+                <a16:creationId xmlns:a16="http://schemas.microsoft.com/office/drawing/2014/main" id="{FEEB663A-E4A5-570D-3E88-96CA4C2CA715}"/>
+              </a:ext>
+            </a:extLst>
+          </p:cNvPr>
+          <p:cNvSpPr>
+            <a:spLocks noGrp="1"/>
+          </p:cNvSpPr>
+          <p:nvPr>
+            <p:ph type="subTitle" idx="1"/>
+          </p:nvPr>
+        </p:nvSpPr>
+        <p:spPr>
+          <a:xfrm>
+            <a:off x="379445" y="4014387"/>
             <a:ext cx="9144000" cy="512543"/>
           </a:xfrm>
         </p:spPr>
@@ -4087,6 +4099,7 @@
           <a:bodyPr/>
           <a:lstStyle/>
           <a:p>
+            <a:pPr algn="l"/>
             <a:r>
               <a:rPr lang="en-US" dirty="0"/>
               <a:t>Prepared and Presented by Oualid </a:t>
@@ -4099,36 +4112,6 @@
           </a:p>
         </p:txBody>
       </p:sp>
-      <p:pic>
-        <p:nvPicPr>
-          <p:cNvPr id="4" name="Picture 3">
-            <a:extLst>
-              <a:ext uri="{FF2B5EF4-FFF2-40B4-BE49-F238E27FC236}">
-                <a16:creationId xmlns:a16="http://schemas.microsoft.com/office/drawing/2014/main" id="{2AA5CC8C-3FA9-5432-6411-19FF6130B292}"/>
-              </a:ext>
-            </a:extLst>
-          </p:cNvPr>
-          <p:cNvPicPr>
-            <a:picLocks noChangeAspect="1"/>
-          </p:cNvPicPr>
-          <p:nvPr/>
-        </p:nvPicPr>
-        <p:blipFill>
-          <a:blip r:embed="rId3"/>
-          <a:stretch>
-            <a:fillRect/>
-          </a:stretch>
-        </p:blipFill>
-        <p:spPr>
-          <a:xfrm>
-            <a:off x="2634251" y="603053"/>
-            <a:ext cx="6400800" cy="3203590"/>
-          </a:xfrm>
-          <a:prstGeom prst="rect">
-            <a:avLst/>
-          </a:prstGeom>
-        </p:spPr>
-      </p:pic>
       <p:sp>
         <p:nvSpPr>
           <p:cNvPr id="5" name="Slide Number Placeholder 4">
@@ -4172,7 +4155,7 @@
         </p:nvSpPr>
         <p:spPr>
           <a:xfrm>
-            <a:off x="5328743" y="3806643"/>
+            <a:off x="8684246" y="5321673"/>
             <a:ext cx="1011815" cy="369332"/>
           </a:xfrm>
           <a:prstGeom prst="rect">
@@ -4196,7 +4179,7 @@
             </a:r>
             <a:r>
               <a:rPr lang="en-US" dirty="0">
-                <a:hlinkClick r:id="rId4"/>
+                <a:hlinkClick r:id="rId3"/>
               </a:rPr>
               <a:t>link</a:t>
             </a:r>
@@ -4204,6 +4187,36 @@
           </a:p>
         </p:txBody>
       </p:sp>
+      <p:pic>
+        <p:nvPicPr>
+          <p:cNvPr id="7" name="Picture 6">
+            <a:extLst>
+              <a:ext uri="{FF2B5EF4-FFF2-40B4-BE49-F238E27FC236}">
+                <a16:creationId xmlns:a16="http://schemas.microsoft.com/office/drawing/2014/main" id="{489860C0-3724-8C33-0D9B-96328B8B0E8A}"/>
+              </a:ext>
+            </a:extLst>
+          </p:cNvPr>
+          <p:cNvPicPr>
+            <a:picLocks noChangeAspect="1"/>
+          </p:cNvPicPr>
+          <p:nvPr/>
+        </p:nvPicPr>
+        <p:blipFill>
+          <a:blip r:embed="rId4"/>
+          <a:stretch>
+            <a:fillRect/>
+          </a:stretch>
+        </p:blipFill>
+        <p:spPr>
+          <a:xfrm>
+            <a:off x="6481012" y="173816"/>
+            <a:ext cx="5559422" cy="5106823"/>
+          </a:xfrm>
+          <a:prstGeom prst="rect">
+            <a:avLst/>
+          </a:prstGeom>
+        </p:spPr>
+      </p:pic>
     </p:spTree>
     <p:extLst>
       <p:ext uri="{BB962C8B-B14F-4D97-AF65-F5344CB8AC3E}">
@@ -4239,6 +4252,153 @@
           <p:cNvPr id="2" name="Title 1">
             <a:extLst>
               <a:ext uri="{FF2B5EF4-FFF2-40B4-BE49-F238E27FC236}">
+                <a16:creationId xmlns:a16="http://schemas.microsoft.com/office/drawing/2014/main" id="{39578E9D-B27B-1565-EB62-DB0062BA3979}"/>
+              </a:ext>
+            </a:extLst>
+          </p:cNvPr>
+          <p:cNvSpPr>
+            <a:spLocks noGrp="1"/>
+          </p:cNvSpPr>
+          <p:nvPr>
+            <p:ph type="title"/>
+          </p:nvPr>
+        </p:nvSpPr>
+        <p:spPr>
+          <a:xfrm>
+            <a:off x="543911" y="136525"/>
+            <a:ext cx="10515600" cy="833054"/>
+          </a:xfrm>
+        </p:spPr>
+        <p:txBody>
+          <a:bodyPr/>
+          <a:lstStyle/>
+          <a:p>
+            <a:r>
+              <a:rPr lang="en-US" dirty="0"/>
+              <a:t>Evaluation</a:t>
+            </a:r>
+          </a:p>
+        </p:txBody>
+      </p:sp>
+      <p:sp>
+        <p:nvSpPr>
+          <p:cNvPr id="3" name="Content Placeholder 2">
+            <a:extLst>
+              <a:ext uri="{FF2B5EF4-FFF2-40B4-BE49-F238E27FC236}">
+                <a16:creationId xmlns:a16="http://schemas.microsoft.com/office/drawing/2014/main" id="{501064F0-FD8B-25E2-3B04-677F7CB1D2A3}"/>
+              </a:ext>
+            </a:extLst>
+          </p:cNvPr>
+          <p:cNvSpPr>
+            <a:spLocks noGrp="1"/>
+          </p:cNvSpPr>
+          <p:nvPr>
+            <p:ph idx="1"/>
+          </p:nvPr>
+        </p:nvSpPr>
+        <p:spPr/>
+        <p:txBody>
+          <a:bodyPr/>
+          <a:lstStyle/>
+          <a:p>
+            <a:endParaRPr lang="en-US"/>
+          </a:p>
+        </p:txBody>
+      </p:sp>
+      <p:sp>
+        <p:nvSpPr>
+          <p:cNvPr id="4" name="Slide Number Placeholder 3">
+            <a:extLst>
+              <a:ext uri="{FF2B5EF4-FFF2-40B4-BE49-F238E27FC236}">
+                <a16:creationId xmlns:a16="http://schemas.microsoft.com/office/drawing/2014/main" id="{9883680E-3C44-4BEA-3AF5-6632FDD76E0B}"/>
+              </a:ext>
+            </a:extLst>
+          </p:cNvPr>
+          <p:cNvSpPr>
+            <a:spLocks noGrp="1"/>
+          </p:cNvSpPr>
+          <p:nvPr>
+            <p:ph type="sldNum" sz="quarter" idx="12"/>
+          </p:nvPr>
+        </p:nvSpPr>
+        <p:spPr/>
+        <p:txBody>
+          <a:bodyPr/>
+          <a:lstStyle/>
+          <a:p>
+            <a:fld id="{281539D4-88A6-9745-9469-4F5F2210A50A}" type="slidenum">
+              <a:rPr lang="en-US" smtClean="0"/>
+              <a:t>10</a:t>
+            </a:fld>
+            <a:endParaRPr lang="en-US"/>
+          </a:p>
+        </p:txBody>
+      </p:sp>
+      <p:pic>
+        <p:nvPicPr>
+          <p:cNvPr id="5" name="Picture 4">
+            <a:extLst>
+              <a:ext uri="{FF2B5EF4-FFF2-40B4-BE49-F238E27FC236}">
+                <a16:creationId xmlns:a16="http://schemas.microsoft.com/office/drawing/2014/main" id="{57E8F5C5-4624-C96B-C32A-4639251B3302}"/>
+              </a:ext>
+            </a:extLst>
+          </p:cNvPr>
+          <p:cNvPicPr>
+            <a:picLocks noChangeAspect="1"/>
+          </p:cNvPicPr>
+          <p:nvPr/>
+        </p:nvPicPr>
+        <p:blipFill>
+          <a:blip r:embed="rId2"/>
+          <a:stretch>
+            <a:fillRect/>
+          </a:stretch>
+        </p:blipFill>
+        <p:spPr>
+          <a:xfrm>
+            <a:off x="838200" y="900112"/>
+            <a:ext cx="7099300" cy="5638800"/>
+          </a:xfrm>
+          <a:prstGeom prst="rect">
+            <a:avLst/>
+          </a:prstGeom>
+        </p:spPr>
+      </p:pic>
+    </p:spTree>
+    <p:extLst>
+      <p:ext uri="{BB962C8B-B14F-4D97-AF65-F5344CB8AC3E}">
+        <p14:creationId xmlns:p14="http://schemas.microsoft.com/office/powerpoint/2010/main" val="1090210190"/>
+      </p:ext>
+    </p:extLst>
+  </p:cSld>
+  <p:clrMapOvr>
+    <a:masterClrMapping/>
+  </p:clrMapOvr>
+</p:sld>
+</file>
+
+<file path=ppt/slides/slide11.xml><?xml version="1.0" encoding="utf-8"?>
+<p:sld xmlns:a="http://schemas.openxmlformats.org/drawingml/2006/main" xmlns:r="http://schemas.openxmlformats.org/officeDocument/2006/relationships" xmlns:p="http://schemas.openxmlformats.org/presentationml/2006/main">
+  <p:cSld>
+    <p:spTree>
+      <p:nvGrpSpPr>
+        <p:cNvPr id="1" name=""/>
+        <p:cNvGrpSpPr/>
+        <p:nvPr/>
+      </p:nvGrpSpPr>
+      <p:grpSpPr>
+        <a:xfrm>
+          <a:off x="0" y="0"/>
+          <a:ext cx="0" cy="0"/>
+          <a:chOff x="0" y="0"/>
+          <a:chExt cx="0" cy="0"/>
+        </a:xfrm>
+      </p:grpSpPr>
+      <p:sp>
+        <p:nvSpPr>
+          <p:cNvPr id="2" name="Title 1">
+            <a:extLst>
+              <a:ext uri="{FF2B5EF4-FFF2-40B4-BE49-F238E27FC236}">
                 <a16:creationId xmlns:a16="http://schemas.microsoft.com/office/drawing/2014/main" id="{D1AAEED0-7503-AE61-5C36-1E9BAC9983E0}"/>
               </a:ext>
             </a:extLst>
@@ -4315,7 +4475,7 @@
           <a:p>
             <a:fld id="{281539D4-88A6-9745-9469-4F5F2210A50A}" type="slidenum">
               <a:rPr lang="en-US" smtClean="0"/>
-              <a:t>10</a:t>
+              <a:t>11</a:t>
             </a:fld>
             <a:endParaRPr lang="en-US"/>
           </a:p>
@@ -4364,7 +4524,7 @@
 </p:sld>
 </file>
 
-<file path=ppt/slides/slide11.xml><?xml version="1.0" encoding="utf-8"?>
+<file path=ppt/slides/slide12.xml><?xml version="1.0" encoding="utf-8"?>
 <p:sld xmlns:a="http://schemas.openxmlformats.org/drawingml/2006/main" xmlns:r="http://schemas.openxmlformats.org/officeDocument/2006/relationships" xmlns:p="http://schemas.openxmlformats.org/presentationml/2006/main">
   <p:cSld>
     <p:spTree>
@@ -4462,7 +4622,7 @@
           <a:p>
             <a:fld id="{281539D4-88A6-9745-9469-4F5F2210A50A}" type="slidenum">
               <a:rPr lang="en-US" smtClean="0"/>
-              <a:t>11</a:t>
+              <a:t>12</a:t>
             </a:fld>
             <a:endParaRPr lang="en-US"/>
           </a:p>
@@ -4511,7 +4671,7 @@
 </p:sld>
 </file>
 
-<file path=ppt/slides/slide12.xml><?xml version="1.0" encoding="utf-8"?>
+<file path=ppt/slides/slide13.xml><?xml version="1.0" encoding="utf-8"?>
 <p:sld xmlns:a="http://schemas.openxmlformats.org/drawingml/2006/main" xmlns:r="http://schemas.openxmlformats.org/officeDocument/2006/relationships" xmlns:p="http://schemas.openxmlformats.org/presentationml/2006/main">
   <p:cSld>
     <p:spTree>
@@ -4609,7 +4769,7 @@
           <a:p>
             <a:fld id="{281539D4-88A6-9745-9469-4F5F2210A50A}" type="slidenum">
               <a:rPr lang="en-US" smtClean="0"/>
-              <a:t>12</a:t>
+              <a:t>13</a:t>
             </a:fld>
             <a:endParaRPr lang="en-US"/>
           </a:p>
@@ -4658,7 +4818,7 @@
 </p:sld>
 </file>
 
-<file path=ppt/slides/slide13.xml><?xml version="1.0" encoding="utf-8"?>
+<file path=ppt/slides/slide14.xml><?xml version="1.0" encoding="utf-8"?>
 <p:sld xmlns:a="http://schemas.openxmlformats.org/drawingml/2006/main" xmlns:r="http://schemas.openxmlformats.org/officeDocument/2006/relationships" xmlns:p="http://schemas.openxmlformats.org/presentationml/2006/main">
   <p:cSld>
     <p:spTree>
@@ -4756,7 +4916,7 @@
           <a:p>
             <a:fld id="{281539D4-88A6-9745-9469-4F5F2210A50A}" type="slidenum">
               <a:rPr lang="en-US" smtClean="0"/>
-              <a:t>13</a:t>
+              <a:t>14</a:t>
             </a:fld>
             <a:endParaRPr lang="en-US"/>
           </a:p>
@@ -4805,7 +4965,7 @@
 </p:sld>
 </file>
 
-<file path=ppt/slides/slide14.xml><?xml version="1.0" encoding="utf-8"?>
+<file path=ppt/slides/slide15.xml><?xml version="1.0" encoding="utf-8"?>
 <p:sld xmlns:a="http://schemas.openxmlformats.org/drawingml/2006/main" xmlns:r="http://schemas.openxmlformats.org/officeDocument/2006/relationships" xmlns:p="http://schemas.openxmlformats.org/presentationml/2006/main">
   <p:cSld>
     <p:spTree>
@@ -4905,7 +5065,7 @@
           <a:p>
             <a:fld id="{281539D4-88A6-9745-9469-4F5F2210A50A}" type="slidenum">
               <a:rPr lang="en-US" smtClean="0"/>
-              <a:t>14</a:t>
+              <a:t>15</a:t>
             </a:fld>
             <a:endParaRPr lang="en-US"/>
           </a:p>
@@ -4984,7 +5144,7 @@
 </p:sld>
 </file>
 
-<file path=ppt/slides/slide15.xml><?xml version="1.0" encoding="utf-8"?>
+<file path=ppt/slides/slide16.xml><?xml version="1.0" encoding="utf-8"?>
 <p:sld xmlns:a="http://schemas.openxmlformats.org/drawingml/2006/main" xmlns:r="http://schemas.openxmlformats.org/officeDocument/2006/relationships" xmlns:p="http://schemas.openxmlformats.org/presentationml/2006/main">
   <p:cSld>
     <p:spTree>
@@ -5142,7 +5302,7 @@
           <a:p>
             <a:fld id="{281539D4-88A6-9745-9469-4F5F2210A50A}" type="slidenum">
               <a:rPr lang="en-US" smtClean="0"/>
-              <a:t>15</a:t>
+              <a:t>16</a:t>
             </a:fld>
             <a:endParaRPr lang="en-US"/>
           </a:p>
@@ -5221,7 +5381,7 @@
 </p:sld>
 </file>
 
-<file path=ppt/slides/slide16.xml><?xml version="1.0" encoding="utf-8"?>
+<file path=ppt/slides/slide17.xml><?xml version="1.0" encoding="utf-8"?>
 <p:sld xmlns:a="http://schemas.openxmlformats.org/drawingml/2006/main" xmlns:r="http://schemas.openxmlformats.org/officeDocument/2006/relationships" xmlns:p="http://schemas.openxmlformats.org/presentationml/2006/main">
   <p:cSld>
     <p:spTree>
@@ -5319,7 +5479,7 @@
           <a:p>
             <a:fld id="{281539D4-88A6-9745-9469-4F5F2210A50A}" type="slidenum">
               <a:rPr lang="en-US" smtClean="0"/>
-              <a:t>16</a:t>
+              <a:t>17</a:t>
             </a:fld>
             <a:endParaRPr lang="en-US"/>
           </a:p>
@@ -5368,7 +5528,7 @@
 </p:sld>
 </file>
 
-<file path=ppt/slides/slide17.xml><?xml version="1.0" encoding="utf-8"?>
+<file path=ppt/slides/slide18.xml><?xml version="1.0" encoding="utf-8"?>
 <p:sld xmlns:a="http://schemas.openxmlformats.org/drawingml/2006/main" xmlns:r="http://schemas.openxmlformats.org/officeDocument/2006/relationships" xmlns:p="http://schemas.openxmlformats.org/presentationml/2006/main">
   <p:cSld>
     <p:spTree>
@@ -5458,7 +5618,7 @@
           <a:p>
             <a:fld id="{281539D4-88A6-9745-9469-4F5F2210A50A}" type="slidenum">
               <a:rPr lang="en-US" smtClean="0"/>
-              <a:t>17</a:t>
+              <a:t>18</a:t>
             </a:fld>
             <a:endParaRPr lang="en-US"/>
           </a:p>
@@ -5486,7 +5646,7 @@
         </p:blipFill>
         <p:spPr>
           <a:xfrm>
-            <a:off x="4599888" y="406072"/>
+            <a:off x="2686650" y="365125"/>
             <a:ext cx="7295550" cy="2235472"/>
           </a:xfrm>
           <a:prstGeom prst="rect">
@@ -5516,7 +5676,7 @@
         </p:blipFill>
         <p:spPr>
           <a:xfrm>
-            <a:off x="306859" y="2820931"/>
+            <a:off x="2469041" y="2957456"/>
             <a:ext cx="7253918" cy="3900544"/>
           </a:xfrm>
           <a:prstGeom prst="rect">
@@ -5537,7 +5697,7 @@
 </p:sld>
 </file>
 
-<file path=ppt/slides/slide18.xml><?xml version="1.0" encoding="utf-8"?>
+<file path=ppt/slides/slide19.xml><?xml version="1.0" encoding="utf-8"?>
 <p:sld xmlns:a="http://schemas.openxmlformats.org/drawingml/2006/main" xmlns:r="http://schemas.openxmlformats.org/officeDocument/2006/relationships" xmlns:p="http://schemas.openxmlformats.org/presentationml/2006/main">
   <p:cSld>
     <p:spTree>
@@ -5637,7 +5797,7 @@
           <a:p>
             <a:fld id="{281539D4-88A6-9745-9469-4F5F2210A50A}" type="slidenum">
               <a:rPr lang="en-US" smtClean="0"/>
-              <a:t>18</a:t>
+              <a:t>19</a:t>
             </a:fld>
             <a:endParaRPr lang="en-US"/>
           </a:p>
@@ -5716,309 +5876,6 @@
 </p:sld>
 </file>
 
-<file path=ppt/slides/slide19.xml><?xml version="1.0" encoding="utf-8"?>
-<p:sld xmlns:a="http://schemas.openxmlformats.org/drawingml/2006/main" xmlns:r="http://schemas.openxmlformats.org/officeDocument/2006/relationships" xmlns:p="http://schemas.openxmlformats.org/presentationml/2006/main">
-  <p:cSld>
-    <p:spTree>
-      <p:nvGrpSpPr>
-        <p:cNvPr id="1" name=""/>
-        <p:cNvGrpSpPr/>
-        <p:nvPr/>
-      </p:nvGrpSpPr>
-      <p:grpSpPr>
-        <a:xfrm>
-          <a:off x="0" y="0"/>
-          <a:ext cx="0" cy="0"/>
-          <a:chOff x="0" y="0"/>
-          <a:chExt cx="0" cy="0"/>
-        </a:xfrm>
-      </p:grpSpPr>
-      <p:sp>
-        <p:nvSpPr>
-          <p:cNvPr id="2" name="Title 1">
-            <a:extLst>
-              <a:ext uri="{FF2B5EF4-FFF2-40B4-BE49-F238E27FC236}">
-                <a16:creationId xmlns:a16="http://schemas.microsoft.com/office/drawing/2014/main" id="{E52F5A36-2281-1B3F-C11E-9C7B5969D9B7}"/>
-              </a:ext>
-            </a:extLst>
-          </p:cNvPr>
-          <p:cNvSpPr>
-            <a:spLocks noGrp="1"/>
-          </p:cNvSpPr>
-          <p:nvPr>
-            <p:ph type="title"/>
-          </p:nvPr>
-        </p:nvSpPr>
-        <p:spPr/>
-        <p:txBody>
-          <a:bodyPr/>
-          <a:lstStyle/>
-          <a:p>
-            <a:endParaRPr lang="en-US"/>
-          </a:p>
-        </p:txBody>
-      </p:sp>
-      <p:sp>
-        <p:nvSpPr>
-          <p:cNvPr id="3" name="Content Placeholder 2">
-            <a:extLst>
-              <a:ext uri="{FF2B5EF4-FFF2-40B4-BE49-F238E27FC236}">
-                <a16:creationId xmlns:a16="http://schemas.microsoft.com/office/drawing/2014/main" id="{EE36BC36-C83E-4BC2-43A8-2F4EBD7B1161}"/>
-              </a:ext>
-            </a:extLst>
-          </p:cNvPr>
-          <p:cNvSpPr>
-            <a:spLocks noGrp="1"/>
-          </p:cNvSpPr>
-          <p:nvPr>
-            <p:ph idx="1"/>
-          </p:nvPr>
-        </p:nvSpPr>
-        <p:spPr/>
-        <p:txBody>
-          <a:bodyPr/>
-          <a:lstStyle/>
-          <a:p>
-            <a:endParaRPr lang="en-US"/>
-          </a:p>
-        </p:txBody>
-      </p:sp>
-      <p:sp>
-        <p:nvSpPr>
-          <p:cNvPr id="4" name="Slide Number Placeholder 3">
-            <a:extLst>
-              <a:ext uri="{FF2B5EF4-FFF2-40B4-BE49-F238E27FC236}">
-                <a16:creationId xmlns:a16="http://schemas.microsoft.com/office/drawing/2014/main" id="{DA296277-482B-9B8B-0020-A1278A1FEB09}"/>
-              </a:ext>
-            </a:extLst>
-          </p:cNvPr>
-          <p:cNvSpPr>
-            <a:spLocks noGrp="1"/>
-          </p:cNvSpPr>
-          <p:nvPr>
-            <p:ph type="sldNum" sz="quarter" idx="12"/>
-          </p:nvPr>
-        </p:nvSpPr>
-        <p:spPr/>
-        <p:txBody>
-          <a:bodyPr/>
-          <a:lstStyle/>
-          <a:p>
-            <a:fld id="{281539D4-88A6-9745-9469-4F5F2210A50A}" type="slidenum">
-              <a:rPr lang="en-US" smtClean="0"/>
-              <a:t>19</a:t>
-            </a:fld>
-            <a:endParaRPr lang="en-US"/>
-          </a:p>
-        </p:txBody>
-      </p:sp>
-      <p:pic>
-        <p:nvPicPr>
-          <p:cNvPr id="5" name="Picture 4">
-            <a:extLst>
-              <a:ext uri="{FF2B5EF4-FFF2-40B4-BE49-F238E27FC236}">
-                <a16:creationId xmlns:a16="http://schemas.microsoft.com/office/drawing/2014/main" id="{340E0C92-BB54-926F-8FE7-2BFD40A53085}"/>
-              </a:ext>
-            </a:extLst>
-          </p:cNvPr>
-          <p:cNvPicPr>
-            <a:picLocks noChangeAspect="1"/>
-          </p:cNvPicPr>
-          <p:nvPr/>
-        </p:nvPicPr>
-        <p:blipFill>
-          <a:blip r:embed="rId2"/>
-          <a:stretch>
-            <a:fillRect/>
-          </a:stretch>
-        </p:blipFill>
-        <p:spPr>
-          <a:xfrm>
-            <a:off x="733984" y="70763"/>
-            <a:ext cx="10196775" cy="6057737"/>
-          </a:xfrm>
-          <a:prstGeom prst="rect">
-            <a:avLst/>
-          </a:prstGeom>
-        </p:spPr>
-      </p:pic>
-      <p:sp>
-        <p:nvSpPr>
-          <p:cNvPr id="6" name="TextBox 5">
-            <a:extLst>
-              <a:ext uri="{FF2B5EF4-FFF2-40B4-BE49-F238E27FC236}">
-                <a16:creationId xmlns:a16="http://schemas.microsoft.com/office/drawing/2014/main" id="{872011A1-7898-FA56-9DB0-7ABD88050F37}"/>
-              </a:ext>
-            </a:extLst>
-          </p:cNvPr>
-          <p:cNvSpPr txBox="1"/>
-          <p:nvPr/>
-        </p:nvSpPr>
-        <p:spPr>
-          <a:xfrm>
-            <a:off x="733984" y="6207418"/>
-            <a:ext cx="9834744" cy="846386"/>
-          </a:xfrm>
-          <a:prstGeom prst="rect">
-            <a:avLst/>
-          </a:prstGeom>
-          <a:noFill/>
-        </p:spPr>
-        <p:txBody>
-          <a:bodyPr wrap="none" rtlCol="0">
-            <a:spAutoFit/>
-          </a:bodyPr>
-          <a:lstStyle/>
-          <a:p>
-            <a:r>
-              <a:rPr lang="en-US" sz="1100" dirty="0">
-                <a:effectLst/>
-                <a:latin typeface="LucidaBrightOT-Identity-H"/>
-              </a:rPr>
-              <a:t>Bali, Turan G., </a:t>
-            </a:r>
-            <a:r>
-              <a:rPr lang="en-US" sz="1100" dirty="0" err="1">
-                <a:effectLst/>
-                <a:latin typeface="LucidaBrightOT-Identity-H"/>
-              </a:rPr>
-              <a:t>Avanidhar</a:t>
-            </a:r>
-            <a:r>
-              <a:rPr lang="en-US" sz="1100" dirty="0">
-                <a:effectLst/>
-                <a:latin typeface="LucidaBrightOT-Identity-H"/>
-              </a:rPr>
-              <a:t> Subrahmanyam, and Quan Wen (2021a) “</a:t>
-            </a:r>
-            <a:r>
-              <a:rPr lang="en-US" sz="1100" dirty="0">
-                <a:effectLst/>
-                <a:latin typeface="LucidaBrightOT-Identity-H"/>
-                <a:hlinkClick r:id="rId3"/>
-              </a:rPr>
-              <a:t>Long-term reversals in the corporate bond market</a:t>
-            </a:r>
-            <a:r>
-              <a:rPr lang="en-US" sz="1100" dirty="0">
-                <a:effectLst/>
-                <a:latin typeface="LucidaBrightOT-Identity-H"/>
-              </a:rPr>
-              <a:t>,” </a:t>
-            </a:r>
-            <a:r>
-              <a:rPr lang="en-US" sz="1100" dirty="0">
-                <a:effectLst/>
-                <a:latin typeface="LucidaBrightOT-Italic-Identity-H"/>
-              </a:rPr>
-              <a:t>Journal of Financial Economics</a:t>
-            </a:r>
-            <a:r>
-              <a:rPr lang="en-US" sz="1100" dirty="0">
-                <a:effectLst/>
-                <a:latin typeface="LucidaBrightOT-Identity-H"/>
-              </a:rPr>
-              <a:t>, 139 (2), 656–677.</a:t>
-            </a:r>
-          </a:p>
-          <a:p>
-            <a:r>
-              <a:rPr lang="en-US" sz="1100" dirty="0">
-                <a:effectLst/>
-                <a:latin typeface="LucidaBrightOT-Identity-H"/>
-              </a:rPr>
-              <a:t>Jurado, Kyle, Sydney C. </a:t>
-            </a:r>
-            <a:r>
-              <a:rPr lang="en-US" sz="1100" dirty="0" err="1">
-                <a:effectLst/>
-                <a:latin typeface="LucidaBrightOT-Identity-H"/>
-              </a:rPr>
-              <a:t>Ludvigson</a:t>
-            </a:r>
-            <a:r>
-              <a:rPr lang="en-US" sz="1100" dirty="0">
-                <a:effectLst/>
-                <a:latin typeface="LucidaBrightOT-Identity-H"/>
-              </a:rPr>
-              <a:t>, and Serena Ng (2015) “</a:t>
-            </a:r>
-            <a:r>
-              <a:rPr lang="en-US" sz="1100" dirty="0">
-                <a:effectLst/>
-                <a:latin typeface="LucidaBrightOT-Identity-H"/>
-                <a:hlinkClick r:id="rId4"/>
-              </a:rPr>
-              <a:t>Measuring uncertainty</a:t>
-            </a:r>
-            <a:r>
-              <a:rPr lang="en-US" sz="1100" dirty="0">
-                <a:effectLst/>
-                <a:latin typeface="LucidaBrightOT-Identity-H"/>
-              </a:rPr>
-              <a:t>,” </a:t>
-            </a:r>
-            <a:r>
-              <a:rPr lang="en-US" sz="1100" dirty="0">
-                <a:effectLst/>
-                <a:latin typeface="LucidaBrightOT-Italic-Identity-H"/>
-              </a:rPr>
-              <a:t>American Economic </a:t>
-            </a:r>
-            <a:r>
-              <a:rPr lang="en-US" sz="800" dirty="0"/>
-              <a:t> </a:t>
-            </a:r>
-            <a:r>
-              <a:rPr lang="en-US" sz="1100" dirty="0">
-                <a:effectLst/>
-                <a:latin typeface="LucidaBrightOT-Italic-Identity-H"/>
-              </a:rPr>
-              <a:t>Review</a:t>
-            </a:r>
-            <a:r>
-              <a:rPr lang="en-US" sz="1100" dirty="0">
-                <a:effectLst/>
-                <a:latin typeface="LucidaBrightOT-Identity-H"/>
-              </a:rPr>
-              <a:t>, 105 (3), 1177–1216.</a:t>
-            </a:r>
-            <a:br>
-              <a:rPr lang="en-US" sz="1100" dirty="0">
-                <a:effectLst/>
-                <a:latin typeface="LucidaBrightOT-Identity-H"/>
-              </a:rPr>
-            </a:br>
-            <a:endParaRPr lang="en-US" sz="800" dirty="0"/>
-          </a:p>
-          <a:p>
-            <a:r>
-              <a:rPr lang="en-US" sz="800" dirty="0">
-                <a:effectLst/>
-                <a:latin typeface="LucidaBrightOT-Identity-H"/>
-              </a:rPr>
-              <a:t> </a:t>
-            </a:r>
-            <a:endParaRPr lang="en-US" sz="800" dirty="0"/>
-          </a:p>
-          <a:p>
-            <a:endParaRPr lang="en-US" sz="1100" dirty="0"/>
-          </a:p>
-        </p:txBody>
-      </p:sp>
-    </p:spTree>
-    <p:extLst>
-      <p:ext uri="{BB962C8B-B14F-4D97-AF65-F5344CB8AC3E}">
-        <p14:creationId xmlns:p14="http://schemas.microsoft.com/office/powerpoint/2010/main" val="431186408"/>
-      </p:ext>
-    </p:extLst>
-  </p:cSld>
-  <p:clrMapOvr>
-    <a:masterClrMapping/>
-  </p:clrMapOvr>
-</p:sld>
-</file>
-
 <file path=ppt/slides/slide2.xml><?xml version="1.0" encoding="utf-8"?>
 <p:sld xmlns:a="http://schemas.openxmlformats.org/drawingml/2006/main" xmlns:r="http://schemas.openxmlformats.org/officeDocument/2006/relationships" xmlns:p="http://schemas.openxmlformats.org/presentationml/2006/main">
   <p:cSld>
@@ -6231,6 +6088,309 @@
           <p:cNvPr id="2" name="Title 1">
             <a:extLst>
               <a:ext uri="{FF2B5EF4-FFF2-40B4-BE49-F238E27FC236}">
+                <a16:creationId xmlns:a16="http://schemas.microsoft.com/office/drawing/2014/main" id="{E52F5A36-2281-1B3F-C11E-9C7B5969D9B7}"/>
+              </a:ext>
+            </a:extLst>
+          </p:cNvPr>
+          <p:cNvSpPr>
+            <a:spLocks noGrp="1"/>
+          </p:cNvSpPr>
+          <p:nvPr>
+            <p:ph type="title"/>
+          </p:nvPr>
+        </p:nvSpPr>
+        <p:spPr/>
+        <p:txBody>
+          <a:bodyPr/>
+          <a:lstStyle/>
+          <a:p>
+            <a:endParaRPr lang="en-US"/>
+          </a:p>
+        </p:txBody>
+      </p:sp>
+      <p:sp>
+        <p:nvSpPr>
+          <p:cNvPr id="3" name="Content Placeholder 2">
+            <a:extLst>
+              <a:ext uri="{FF2B5EF4-FFF2-40B4-BE49-F238E27FC236}">
+                <a16:creationId xmlns:a16="http://schemas.microsoft.com/office/drawing/2014/main" id="{EE36BC36-C83E-4BC2-43A8-2F4EBD7B1161}"/>
+              </a:ext>
+            </a:extLst>
+          </p:cNvPr>
+          <p:cNvSpPr>
+            <a:spLocks noGrp="1"/>
+          </p:cNvSpPr>
+          <p:nvPr>
+            <p:ph idx="1"/>
+          </p:nvPr>
+        </p:nvSpPr>
+        <p:spPr/>
+        <p:txBody>
+          <a:bodyPr/>
+          <a:lstStyle/>
+          <a:p>
+            <a:endParaRPr lang="en-US"/>
+          </a:p>
+        </p:txBody>
+      </p:sp>
+      <p:sp>
+        <p:nvSpPr>
+          <p:cNvPr id="4" name="Slide Number Placeholder 3">
+            <a:extLst>
+              <a:ext uri="{FF2B5EF4-FFF2-40B4-BE49-F238E27FC236}">
+                <a16:creationId xmlns:a16="http://schemas.microsoft.com/office/drawing/2014/main" id="{DA296277-482B-9B8B-0020-A1278A1FEB09}"/>
+              </a:ext>
+            </a:extLst>
+          </p:cNvPr>
+          <p:cNvSpPr>
+            <a:spLocks noGrp="1"/>
+          </p:cNvSpPr>
+          <p:nvPr>
+            <p:ph type="sldNum" sz="quarter" idx="12"/>
+          </p:nvPr>
+        </p:nvSpPr>
+        <p:spPr/>
+        <p:txBody>
+          <a:bodyPr/>
+          <a:lstStyle/>
+          <a:p>
+            <a:fld id="{281539D4-88A6-9745-9469-4F5F2210A50A}" type="slidenum">
+              <a:rPr lang="en-US" smtClean="0"/>
+              <a:t>20</a:t>
+            </a:fld>
+            <a:endParaRPr lang="en-US"/>
+          </a:p>
+        </p:txBody>
+      </p:sp>
+      <p:pic>
+        <p:nvPicPr>
+          <p:cNvPr id="5" name="Picture 4">
+            <a:extLst>
+              <a:ext uri="{FF2B5EF4-FFF2-40B4-BE49-F238E27FC236}">
+                <a16:creationId xmlns:a16="http://schemas.microsoft.com/office/drawing/2014/main" id="{340E0C92-BB54-926F-8FE7-2BFD40A53085}"/>
+              </a:ext>
+            </a:extLst>
+          </p:cNvPr>
+          <p:cNvPicPr>
+            <a:picLocks noChangeAspect="1"/>
+          </p:cNvPicPr>
+          <p:nvPr/>
+        </p:nvPicPr>
+        <p:blipFill>
+          <a:blip r:embed="rId2"/>
+          <a:stretch>
+            <a:fillRect/>
+          </a:stretch>
+        </p:blipFill>
+        <p:spPr>
+          <a:xfrm>
+            <a:off x="733984" y="70763"/>
+            <a:ext cx="10196775" cy="6057737"/>
+          </a:xfrm>
+          <a:prstGeom prst="rect">
+            <a:avLst/>
+          </a:prstGeom>
+        </p:spPr>
+      </p:pic>
+      <p:sp>
+        <p:nvSpPr>
+          <p:cNvPr id="6" name="TextBox 5">
+            <a:extLst>
+              <a:ext uri="{FF2B5EF4-FFF2-40B4-BE49-F238E27FC236}">
+                <a16:creationId xmlns:a16="http://schemas.microsoft.com/office/drawing/2014/main" id="{872011A1-7898-FA56-9DB0-7ABD88050F37}"/>
+              </a:ext>
+            </a:extLst>
+          </p:cNvPr>
+          <p:cNvSpPr txBox="1"/>
+          <p:nvPr/>
+        </p:nvSpPr>
+        <p:spPr>
+          <a:xfrm>
+            <a:off x="733984" y="6207418"/>
+            <a:ext cx="9834744" cy="846386"/>
+          </a:xfrm>
+          <a:prstGeom prst="rect">
+            <a:avLst/>
+          </a:prstGeom>
+          <a:noFill/>
+        </p:spPr>
+        <p:txBody>
+          <a:bodyPr wrap="none" rtlCol="0">
+            <a:spAutoFit/>
+          </a:bodyPr>
+          <a:lstStyle/>
+          <a:p>
+            <a:r>
+              <a:rPr lang="en-US" sz="1100" dirty="0">
+                <a:effectLst/>
+                <a:latin typeface="LucidaBrightOT-Identity-H"/>
+              </a:rPr>
+              <a:t>Bali, Turan G., </a:t>
+            </a:r>
+            <a:r>
+              <a:rPr lang="en-US" sz="1100" dirty="0" err="1">
+                <a:effectLst/>
+                <a:latin typeface="LucidaBrightOT-Identity-H"/>
+              </a:rPr>
+              <a:t>Avanidhar</a:t>
+            </a:r>
+            <a:r>
+              <a:rPr lang="en-US" sz="1100" dirty="0">
+                <a:effectLst/>
+                <a:latin typeface="LucidaBrightOT-Identity-H"/>
+              </a:rPr>
+              <a:t> Subrahmanyam, and Quan Wen (2021a) “</a:t>
+            </a:r>
+            <a:r>
+              <a:rPr lang="en-US" sz="1100" dirty="0">
+                <a:effectLst/>
+                <a:latin typeface="LucidaBrightOT-Identity-H"/>
+                <a:hlinkClick r:id="rId3"/>
+              </a:rPr>
+              <a:t>Long-term reversals in the corporate bond market</a:t>
+            </a:r>
+            <a:r>
+              <a:rPr lang="en-US" sz="1100" dirty="0">
+                <a:effectLst/>
+                <a:latin typeface="LucidaBrightOT-Identity-H"/>
+              </a:rPr>
+              <a:t>,” </a:t>
+            </a:r>
+            <a:r>
+              <a:rPr lang="en-US" sz="1100" dirty="0">
+                <a:effectLst/>
+                <a:latin typeface="LucidaBrightOT-Italic-Identity-H"/>
+              </a:rPr>
+              <a:t>Journal of Financial Economics</a:t>
+            </a:r>
+            <a:r>
+              <a:rPr lang="en-US" sz="1100" dirty="0">
+                <a:effectLst/>
+                <a:latin typeface="LucidaBrightOT-Identity-H"/>
+              </a:rPr>
+              <a:t>, 139 (2), 656–677.</a:t>
+            </a:r>
+          </a:p>
+          <a:p>
+            <a:r>
+              <a:rPr lang="en-US" sz="1100" dirty="0">
+                <a:effectLst/>
+                <a:latin typeface="LucidaBrightOT-Identity-H"/>
+              </a:rPr>
+              <a:t>Jurado, Kyle, Sydney C. </a:t>
+            </a:r>
+            <a:r>
+              <a:rPr lang="en-US" sz="1100" dirty="0" err="1">
+                <a:effectLst/>
+                <a:latin typeface="LucidaBrightOT-Identity-H"/>
+              </a:rPr>
+              <a:t>Ludvigson</a:t>
+            </a:r>
+            <a:r>
+              <a:rPr lang="en-US" sz="1100" dirty="0">
+                <a:effectLst/>
+                <a:latin typeface="LucidaBrightOT-Identity-H"/>
+              </a:rPr>
+              <a:t>, and Serena Ng (2015) “</a:t>
+            </a:r>
+            <a:r>
+              <a:rPr lang="en-US" sz="1100" dirty="0">
+                <a:effectLst/>
+                <a:latin typeface="LucidaBrightOT-Identity-H"/>
+                <a:hlinkClick r:id="rId4"/>
+              </a:rPr>
+              <a:t>Measuring uncertainty</a:t>
+            </a:r>
+            <a:r>
+              <a:rPr lang="en-US" sz="1100" dirty="0">
+                <a:effectLst/>
+                <a:latin typeface="LucidaBrightOT-Identity-H"/>
+              </a:rPr>
+              <a:t>,” </a:t>
+            </a:r>
+            <a:r>
+              <a:rPr lang="en-US" sz="1100" dirty="0">
+                <a:effectLst/>
+                <a:latin typeface="LucidaBrightOT-Italic-Identity-H"/>
+              </a:rPr>
+              <a:t>American Economic </a:t>
+            </a:r>
+            <a:r>
+              <a:rPr lang="en-US" sz="800" dirty="0"/>
+              <a:t> </a:t>
+            </a:r>
+            <a:r>
+              <a:rPr lang="en-US" sz="1100" dirty="0">
+                <a:effectLst/>
+                <a:latin typeface="LucidaBrightOT-Italic-Identity-H"/>
+              </a:rPr>
+              <a:t>Review</a:t>
+            </a:r>
+            <a:r>
+              <a:rPr lang="en-US" sz="1100" dirty="0">
+                <a:effectLst/>
+                <a:latin typeface="LucidaBrightOT-Identity-H"/>
+              </a:rPr>
+              <a:t>, 105 (3), 1177–1216.</a:t>
+            </a:r>
+            <a:br>
+              <a:rPr lang="en-US" sz="1100" dirty="0">
+                <a:effectLst/>
+                <a:latin typeface="LucidaBrightOT-Identity-H"/>
+              </a:rPr>
+            </a:br>
+            <a:endParaRPr lang="en-US" sz="800" dirty="0"/>
+          </a:p>
+          <a:p>
+            <a:r>
+              <a:rPr lang="en-US" sz="800" dirty="0">
+                <a:effectLst/>
+                <a:latin typeface="LucidaBrightOT-Identity-H"/>
+              </a:rPr>
+              <a:t> </a:t>
+            </a:r>
+            <a:endParaRPr lang="en-US" sz="800" dirty="0"/>
+          </a:p>
+          <a:p>
+            <a:endParaRPr lang="en-US" sz="1100" dirty="0"/>
+          </a:p>
+        </p:txBody>
+      </p:sp>
+    </p:spTree>
+    <p:extLst>
+      <p:ext uri="{BB962C8B-B14F-4D97-AF65-F5344CB8AC3E}">
+        <p14:creationId xmlns:p14="http://schemas.microsoft.com/office/powerpoint/2010/main" val="431186408"/>
+      </p:ext>
+    </p:extLst>
+  </p:cSld>
+  <p:clrMapOvr>
+    <a:masterClrMapping/>
+  </p:clrMapOvr>
+</p:sld>
+</file>
+
+<file path=ppt/slides/slide21.xml><?xml version="1.0" encoding="utf-8"?>
+<p:sld xmlns:a="http://schemas.openxmlformats.org/drawingml/2006/main" xmlns:r="http://schemas.openxmlformats.org/officeDocument/2006/relationships" xmlns:p="http://schemas.openxmlformats.org/presentationml/2006/main">
+  <p:cSld>
+    <p:spTree>
+      <p:nvGrpSpPr>
+        <p:cNvPr id="1" name=""/>
+        <p:cNvGrpSpPr/>
+        <p:nvPr/>
+      </p:nvGrpSpPr>
+      <p:grpSpPr>
+        <a:xfrm>
+          <a:off x="0" y="0"/>
+          <a:ext cx="0" cy="0"/>
+          <a:chOff x="0" y="0"/>
+          <a:chExt cx="0" cy="0"/>
+        </a:xfrm>
+      </p:grpSpPr>
+      <p:sp>
+        <p:nvSpPr>
+          <p:cNvPr id="2" name="Title 1">
+            <a:extLst>
+              <a:ext uri="{FF2B5EF4-FFF2-40B4-BE49-F238E27FC236}">
                 <a16:creationId xmlns:a16="http://schemas.microsoft.com/office/drawing/2014/main" id="{BE480643-C2F6-517D-25F9-0F41C131201D}"/>
               </a:ext>
             </a:extLst>
@@ -6307,7 +6467,7 @@
           <a:p>
             <a:fld id="{281539D4-88A6-9745-9469-4F5F2210A50A}" type="slidenum">
               <a:rPr lang="en-US" smtClean="0"/>
-              <a:t>20</a:t>
+              <a:t>21</a:t>
             </a:fld>
             <a:endParaRPr lang="en-US"/>
           </a:p>
@@ -6386,7 +6546,7 @@
 </p:sld>
 </file>
 
-<file path=ppt/slides/slide21.xml><?xml version="1.0" encoding="utf-8"?>
+<file path=ppt/slides/slide22.xml><?xml version="1.0" encoding="utf-8"?>
 <p:sld xmlns:a="http://schemas.openxmlformats.org/drawingml/2006/main" xmlns:r="http://schemas.openxmlformats.org/officeDocument/2006/relationships" xmlns:p="http://schemas.openxmlformats.org/presentationml/2006/main">
   <p:cSld>
     <p:spTree>
@@ -6484,7 +6644,7 @@
           <a:p>
             <a:fld id="{281539D4-88A6-9745-9469-4F5F2210A50A}" type="slidenum">
               <a:rPr lang="en-US" smtClean="0"/>
-              <a:t>21</a:t>
+              <a:t>22</a:t>
             </a:fld>
             <a:endParaRPr lang="en-US"/>
           </a:p>
@@ -6563,7 +6723,7 @@
 </p:sld>
 </file>
 
-<file path=ppt/slides/slide22.xml><?xml version="1.0" encoding="utf-8"?>
+<file path=ppt/slides/slide23.xml><?xml version="1.0" encoding="utf-8"?>
 <p:sld xmlns:a="http://schemas.openxmlformats.org/drawingml/2006/main" xmlns:r="http://schemas.openxmlformats.org/officeDocument/2006/relationships" xmlns:p="http://schemas.openxmlformats.org/presentationml/2006/main">
   <p:cSld>
     <p:spTree>
@@ -6663,7 +6823,7 @@
           <a:p>
             <a:fld id="{281539D4-88A6-9745-9469-4F5F2210A50A}" type="slidenum">
               <a:rPr lang="en-US" smtClean="0"/>
-              <a:t>22</a:t>
+              <a:t>23</a:t>
             </a:fld>
             <a:endParaRPr lang="en-US"/>
           </a:p>
@@ -6742,7 +6902,7 @@
 </p:sld>
 </file>
 
-<file path=ppt/slides/slide23.xml><?xml version="1.0" encoding="utf-8"?>
+<file path=ppt/slides/slide24.xml><?xml version="1.0" encoding="utf-8"?>
 <p:sld xmlns:a="http://schemas.openxmlformats.org/drawingml/2006/main" xmlns:r="http://schemas.openxmlformats.org/officeDocument/2006/relationships" xmlns:p="http://schemas.openxmlformats.org/presentationml/2006/main">
   <p:cSld>
     <p:spTree>
@@ -6842,7 +7002,7 @@
           <a:p>
             <a:fld id="{281539D4-88A6-9745-9469-4F5F2210A50A}" type="slidenum">
               <a:rPr lang="en-US" smtClean="0"/>
-              <a:t>23</a:t>
+              <a:t>24</a:t>
             </a:fld>
             <a:endParaRPr lang="en-US"/>
           </a:p>
@@ -6921,7 +7081,7 @@
 </p:sld>
 </file>
 
-<file path=ppt/slides/slide24.xml><?xml version="1.0" encoding="utf-8"?>
+<file path=ppt/slides/slide25.xml><?xml version="1.0" encoding="utf-8"?>
 <p:sld xmlns:a="http://schemas.openxmlformats.org/drawingml/2006/main" xmlns:r="http://schemas.openxmlformats.org/officeDocument/2006/relationships" xmlns:p="http://schemas.openxmlformats.org/presentationml/2006/main">
   <p:cSld>
     <p:spTree>
@@ -7021,7 +7181,7 @@
           <a:p>
             <a:fld id="{281539D4-88A6-9745-9469-4F5F2210A50A}" type="slidenum">
               <a:rPr lang="en-US" smtClean="0"/>
-              <a:t>24</a:t>
+              <a:t>25</a:t>
             </a:fld>
             <a:endParaRPr lang="en-US"/>
           </a:p>
@@ -7100,7 +7260,7 @@
 </p:sld>
 </file>
 
-<file path=ppt/slides/slide25.xml><?xml version="1.0" encoding="utf-8"?>
+<file path=ppt/slides/slide26.xml><?xml version="1.0" encoding="utf-8"?>
 <p:sld xmlns:a="http://schemas.openxmlformats.org/drawingml/2006/main" xmlns:r="http://schemas.openxmlformats.org/officeDocument/2006/relationships" xmlns:p="http://schemas.openxmlformats.org/presentationml/2006/main">
   <p:cSld>
     <p:spTree>
@@ -7198,7 +7358,7 @@
           <a:p>
             <a:fld id="{281539D4-88A6-9745-9469-4F5F2210A50A}" type="slidenum">
               <a:rPr lang="en-US" smtClean="0"/>
-              <a:t>25</a:t>
+              <a:t>26</a:t>
             </a:fld>
             <a:endParaRPr lang="en-US"/>
           </a:p>
@@ -7226,7 +7386,7 @@
         </p:blipFill>
         <p:spPr>
           <a:xfrm>
-            <a:off x="121508" y="2202281"/>
+            <a:off x="158883" y="822544"/>
             <a:ext cx="5337977" cy="1885511"/>
           </a:xfrm>
           <a:prstGeom prst="rect">
@@ -7277,7 +7437,7 @@
 </p:sld>
 </file>
 
-<file path=ppt/slides/slide26.xml><?xml version="1.0" encoding="utf-8"?>
+<file path=ppt/slides/slide27.xml><?xml version="1.0" encoding="utf-8"?>
 <p:sld xmlns:a="http://schemas.openxmlformats.org/drawingml/2006/main" xmlns:r="http://schemas.openxmlformats.org/officeDocument/2006/relationships" xmlns:p="http://schemas.openxmlformats.org/presentationml/2006/main">
   <p:cSld>
     <p:spTree>
@@ -7367,7 +7527,7 @@
           <a:p>
             <a:fld id="{281539D4-88A6-9745-9469-4F5F2210A50A}" type="slidenum">
               <a:rPr lang="en-US" smtClean="0"/>
-              <a:t>26</a:t>
+              <a:t>27</a:t>
             </a:fld>
             <a:endParaRPr lang="en-US"/>
           </a:p>
@@ -7395,7 +7555,7 @@
         </p:blipFill>
         <p:spPr>
           <a:xfrm>
-            <a:off x="2957763" y="0"/>
+            <a:off x="6096000" y="0"/>
             <a:ext cx="6276474" cy="6858000"/>
           </a:xfrm>
           <a:prstGeom prst="rect">
@@ -7416,7 +7576,7 @@
 </p:sld>
 </file>
 
-<file path=ppt/slides/slide27.xml><?xml version="1.0" encoding="utf-8"?>
+<file path=ppt/slides/slide28.xml><?xml version="1.0" encoding="utf-8"?>
 <p:sld xmlns:a="http://schemas.openxmlformats.org/drawingml/2006/main" xmlns:r="http://schemas.openxmlformats.org/officeDocument/2006/relationships" xmlns:p="http://schemas.openxmlformats.org/presentationml/2006/main">
   <p:cSld>
     <p:spTree>
@@ -7482,9 +7642,16 @@
             <p:ph idx="1"/>
           </p:nvPr>
         </p:nvSpPr>
-        <p:spPr/>
-        <p:txBody>
-          <a:bodyPr/>
+        <p:spPr>
+          <a:xfrm>
+            <a:off x="838200" y="1094792"/>
+            <a:ext cx="10515600" cy="5082171"/>
+          </a:xfrm>
+        </p:spPr>
+        <p:txBody>
+          <a:bodyPr>
+            <a:normAutofit/>
+          </a:bodyPr>
           <a:lstStyle/>
           <a:p>
             <a:r>
@@ -7511,12 +7678,271 @@
             <a:endParaRPr lang="en-US" dirty="0"/>
           </a:p>
           <a:p>
+            <a:pPr lvl="1"/>
+            <a:r>
+              <a:rPr lang="en-US" sz="1800" dirty="0">
+                <a:effectLst/>
+                <a:latin typeface="LucidaBrightOT-Identity-H"/>
+              </a:rPr>
+              <a:t>Nori, Harsha, Samuel Jenkins, Paul Koch, and Rich Caruana (2019) </a:t>
+            </a:r>
+            <a:r>
+              <a:rPr lang="en-US" sz="1800" dirty="0">
+                <a:effectLst/>
+                <a:latin typeface="LucidaBrightOT-Identity-H"/>
+                <a:hlinkClick r:id="rId3"/>
+              </a:rPr>
+              <a:t>“InterpretML: A unified framework for machine learning interpretability,” </a:t>
+            </a:r>
+            <a:r>
+              <a:rPr lang="en-US" sz="1800" dirty="0">
+                <a:effectLst/>
+                <a:latin typeface="LucidaBrightOT-Italic-Identity-H"/>
+              </a:rPr>
+              <a:t>arXiv:1909.09223</a:t>
+            </a:r>
+            <a:r>
+              <a:rPr lang="en-US" sz="1800" dirty="0">
+                <a:effectLst/>
+                <a:latin typeface="LucidaBrightOT-Identity-H"/>
+              </a:rPr>
+              <a:t>. </a:t>
+            </a:r>
+          </a:p>
+          <a:p>
+            <a:pPr lvl="1"/>
+            <a:r>
+              <a:rPr lang="en-US" sz="1800" dirty="0">
+                <a:effectLst/>
+                <a:latin typeface="LucidaBrightOT-Identity-H"/>
+              </a:rPr>
+              <a:t>Lou, Yin, Rich Caruana, Johannes Gehrke, and Giles Hooker (2013) </a:t>
+            </a:r>
+            <a:r>
+              <a:rPr lang="en-US" sz="1800" dirty="0">
+                <a:effectLst/>
+                <a:latin typeface="LucidaBrightOT-Identity-H"/>
+                <a:hlinkClick r:id="rId4"/>
+              </a:rPr>
+              <a:t>“Accurate intelligible models with pairwise interactions,”</a:t>
+            </a:r>
+            <a:r>
+              <a:rPr lang="en-US" sz="1800" dirty="0">
+                <a:effectLst/>
+                <a:latin typeface="LucidaBrightOT-Identity-H"/>
+              </a:rPr>
+              <a:t> in </a:t>
+            </a:r>
+            <a:r>
+              <a:rPr lang="en-US" sz="1800" dirty="0">
+                <a:effectLst/>
+                <a:latin typeface="LucidaBrightOT-Italic-Identity-H"/>
+              </a:rPr>
+              <a:t>Proceedings of the 19th ACM SIGKDD international conference on Knowledge discovery and data mining</a:t>
+            </a:r>
+            <a:r>
+              <a:rPr lang="en-US" sz="1800" dirty="0">
+                <a:effectLst/>
+                <a:latin typeface="LucidaBrightOT-Identity-H"/>
+              </a:rPr>
+              <a:t>, 623–631. </a:t>
+            </a:r>
+            <a:endParaRPr lang="en-US" dirty="0"/>
+          </a:p>
+          <a:p>
+            <a:r>
+              <a:rPr lang="en-US" dirty="0"/>
+              <a:t>Features/Response</a:t>
+            </a:r>
+          </a:p>
+          <a:p>
+            <a:pPr lvl="1"/>
+            <a:r>
+              <a:rPr lang="en-US" sz="1600" dirty="0">
+                <a:effectLst/>
+                <a:latin typeface="LucidaBrightOT-Identity-H"/>
+              </a:rPr>
+              <a:t>Bali, Turan G., </a:t>
+            </a:r>
+            <a:r>
+              <a:rPr lang="en-US" sz="1600" dirty="0" err="1">
+                <a:effectLst/>
+                <a:latin typeface="LucidaBrightOT-Identity-H"/>
+              </a:rPr>
+              <a:t>Avanidhar</a:t>
+            </a:r>
+            <a:r>
+              <a:rPr lang="en-US" sz="1600" dirty="0">
+                <a:effectLst/>
+                <a:latin typeface="LucidaBrightOT-Identity-H"/>
+              </a:rPr>
+              <a:t> Subrahmanyam, and Quan Wen (2021a) “</a:t>
+            </a:r>
+            <a:r>
+              <a:rPr lang="en-US" sz="1600" dirty="0">
+                <a:effectLst/>
+                <a:latin typeface="LucidaBrightOT-Identity-H"/>
+                <a:hlinkClick r:id="rId5"/>
+              </a:rPr>
+              <a:t>Long-term reversals in the corporate bond market</a:t>
+            </a:r>
+            <a:r>
+              <a:rPr lang="en-US" sz="1600" dirty="0">
+                <a:effectLst/>
+                <a:latin typeface="LucidaBrightOT-Identity-H"/>
+              </a:rPr>
+              <a:t>,” </a:t>
+            </a:r>
+            <a:r>
+              <a:rPr lang="en-US" sz="1600" dirty="0">
+                <a:effectLst/>
+                <a:latin typeface="LucidaBrightOT-Italic-Identity-H"/>
+              </a:rPr>
+              <a:t>Journal of Financial Economics</a:t>
+            </a:r>
+            <a:r>
+              <a:rPr lang="en-US" sz="1600" dirty="0">
+                <a:effectLst/>
+                <a:latin typeface="LucidaBrightOT-Identity-H"/>
+              </a:rPr>
+              <a:t>, 139 (2), 656–677.</a:t>
+            </a:r>
+          </a:p>
+          <a:p>
+            <a:pPr lvl="1"/>
+            <a:r>
+              <a:rPr lang="en-US" sz="1600" dirty="0">
+                <a:effectLst/>
+                <a:latin typeface="LucidaBrightOT-Identity-H"/>
+              </a:rPr>
+              <a:t>Jurado, Kyle, Sydney C. </a:t>
+            </a:r>
+            <a:r>
+              <a:rPr lang="en-US" sz="1600" dirty="0" err="1">
+                <a:effectLst/>
+                <a:latin typeface="LucidaBrightOT-Identity-H"/>
+              </a:rPr>
+              <a:t>Ludvigson</a:t>
+            </a:r>
+            <a:r>
+              <a:rPr lang="en-US" sz="1600" dirty="0">
+                <a:effectLst/>
+                <a:latin typeface="LucidaBrightOT-Identity-H"/>
+              </a:rPr>
+              <a:t>, and Serena Ng (2015) “</a:t>
+            </a:r>
+            <a:r>
+              <a:rPr lang="en-US" sz="1600" dirty="0">
+                <a:effectLst/>
+                <a:latin typeface="LucidaBrightOT-Identity-H"/>
+                <a:hlinkClick r:id="rId6"/>
+              </a:rPr>
+              <a:t>Measuring uncertainty</a:t>
+            </a:r>
+            <a:r>
+              <a:rPr lang="en-US" sz="1600" dirty="0">
+                <a:effectLst/>
+                <a:latin typeface="LucidaBrightOT-Identity-H"/>
+              </a:rPr>
+              <a:t>,” </a:t>
+            </a:r>
+            <a:r>
+              <a:rPr lang="en-US" sz="1600" dirty="0">
+                <a:effectLst/>
+                <a:latin typeface="LucidaBrightOT-Italic-Identity-H"/>
+              </a:rPr>
+              <a:t>American Economic </a:t>
+            </a:r>
+            <a:r>
+              <a:rPr lang="en-US" sz="1000" dirty="0"/>
+              <a:t> </a:t>
+            </a:r>
+            <a:r>
+              <a:rPr lang="en-US" sz="1600" dirty="0">
+                <a:effectLst/>
+                <a:latin typeface="LucidaBrightOT-Italic-Identity-H"/>
+              </a:rPr>
+              <a:t>Review</a:t>
+            </a:r>
+            <a:r>
+              <a:rPr lang="en-US" sz="1600" dirty="0">
+                <a:effectLst/>
+                <a:latin typeface="LucidaBrightOT-Identity-H"/>
+              </a:rPr>
+              <a:t>, 105 (3), 1177–1216.</a:t>
+            </a:r>
+          </a:p>
+          <a:p>
+            <a:pPr lvl="1"/>
+            <a:r>
+              <a:rPr lang="en-US" sz="1600" dirty="0">
+                <a:effectLst/>
+                <a:latin typeface="LucidaBrightOT-Identity-H"/>
+              </a:rPr>
+              <a:t>Kelly, Bryan, Diogo </a:t>
+            </a:r>
+            <a:r>
+              <a:rPr lang="en-US" sz="1600" dirty="0" err="1">
+                <a:effectLst/>
+                <a:latin typeface="LucidaBrightOT-Identity-H"/>
+              </a:rPr>
+              <a:t>Palhares</a:t>
+            </a:r>
+            <a:r>
+              <a:rPr lang="en-US" sz="1600" dirty="0">
+                <a:effectLst/>
+                <a:latin typeface="LucidaBrightOT-Identity-H"/>
+              </a:rPr>
+              <a:t>, and Seth Pruitt (2023) “</a:t>
+            </a:r>
+            <a:r>
+              <a:rPr lang="en-US" sz="1600" dirty="0">
+                <a:effectLst/>
+                <a:latin typeface="LucidaBrightOT-Identity-H"/>
+                <a:hlinkClick r:id="rId7"/>
+              </a:rPr>
+              <a:t>Modeling corporate bond returns</a:t>
+            </a:r>
+            <a:r>
+              <a:rPr lang="en-US" sz="1600" dirty="0">
+                <a:effectLst/>
+                <a:latin typeface="LucidaBrightOT-Identity-H"/>
+              </a:rPr>
+              <a:t>,” </a:t>
+            </a:r>
+            <a:r>
+              <a:rPr lang="en-US" sz="1600" dirty="0">
+                <a:effectLst/>
+                <a:latin typeface="LucidaBrightOT-Italic-Identity-H"/>
+              </a:rPr>
+              <a:t>The Journal of  Finance</a:t>
+            </a:r>
+            <a:r>
+              <a:rPr lang="en-US" sz="1600" dirty="0">
+                <a:effectLst/>
+                <a:latin typeface="LucidaBrightOT-Identity-H"/>
+              </a:rPr>
+              <a:t>.</a:t>
+            </a:r>
+            <a:endParaRPr lang="en-US" sz="3200" dirty="0"/>
+          </a:p>
+          <a:p>
+            <a:pPr lvl="1"/>
+            <a:endParaRPr lang="en-US" sz="1600" dirty="0"/>
+          </a:p>
+          <a:p>
             <a:pPr marL="457200" lvl="1" indent="0">
               <a:buNone/>
             </a:pPr>
             <a:endParaRPr lang="en-US" dirty="0"/>
           </a:p>
           <a:p>
+            <a:pPr marL="457200" lvl="1" indent="0">
+              <a:buNone/>
+            </a:pPr>
+            <a:endParaRPr lang="en-US" dirty="0"/>
+          </a:p>
+          <a:p>
             <a:endParaRPr lang="en-US" dirty="0"/>
           </a:p>
           <a:p>
@@ -7548,7 +7974,7 @@
           <a:p>
             <a:fld id="{281539D4-88A6-9745-9469-4F5F2210A50A}" type="slidenum">
               <a:rPr lang="en-US" smtClean="0"/>
-              <a:t>27</a:t>
+              <a:t>28</a:t>
             </a:fld>
             <a:endParaRPr lang="en-US"/>
           </a:p>
@@ -8485,7 +8911,7 @@
           <p:cNvPr id="2" name="Title 1">
             <a:extLst>
               <a:ext uri="{FF2B5EF4-FFF2-40B4-BE49-F238E27FC236}">
-                <a16:creationId xmlns:a16="http://schemas.microsoft.com/office/drawing/2014/main" id="{39578E9D-B27B-1565-EB62-DB0062BA3979}"/>
+                <a16:creationId xmlns:a16="http://schemas.microsoft.com/office/drawing/2014/main" id="{8430C520-11B0-E322-C940-AFE8D5993890}"/>
               </a:ext>
             </a:extLst>
           </p:cNvPr>
@@ -8498,8 +8924,8 @@
         </p:nvSpPr>
         <p:spPr>
           <a:xfrm>
-            <a:off x="543911" y="136525"/>
-            <a:ext cx="10515600" cy="833054"/>
+            <a:off x="0" y="0"/>
+            <a:ext cx="10515600" cy="804312"/>
           </a:xfrm>
         </p:spPr>
         <p:txBody>
@@ -8508,7 +8934,7 @@
           <a:p>
             <a:r>
               <a:rPr lang="en-US" dirty="0"/>
-              <a:t>Evaluation</a:t>
+              <a:t>Interaction Detection</a:t>
             </a:r>
           </a:p>
         </p:txBody>
@@ -8518,7 +8944,7 @@
           <p:cNvPr id="3" name="Content Placeholder 2">
             <a:extLst>
               <a:ext uri="{FF2B5EF4-FFF2-40B4-BE49-F238E27FC236}">
-                <a16:creationId xmlns:a16="http://schemas.microsoft.com/office/drawing/2014/main" id="{501064F0-FD8B-25E2-3B04-677F7CB1D2A3}"/>
+                <a16:creationId xmlns:a16="http://schemas.microsoft.com/office/drawing/2014/main" id="{A2E7A4CE-2A2F-9DD7-0AD8-F18F56C255E3}"/>
               </a:ext>
             </a:extLst>
           </p:cNvPr>
@@ -8529,12 +8955,17 @@
             <p:ph idx="1"/>
           </p:nvPr>
         </p:nvSpPr>
-        <p:spPr/>
-        <p:txBody>
-          <a:bodyPr/>
-          <a:lstStyle/>
-          <a:p>
-            <a:endParaRPr lang="en-US"/>
+        <p:spPr>
+          <a:xfrm>
+            <a:off x="726233" y="933336"/>
+            <a:ext cx="10515600" cy="4351338"/>
+          </a:xfrm>
+        </p:spPr>
+        <p:txBody>
+          <a:bodyPr/>
+          <a:lstStyle/>
+          <a:p>
+            <a:endParaRPr lang="en-US" dirty="0"/>
           </a:p>
         </p:txBody>
       </p:sp>
@@ -8543,7 +8974,7 @@
           <p:cNvPr id="4" name="Slide Number Placeholder 3">
             <a:extLst>
               <a:ext uri="{FF2B5EF4-FFF2-40B4-BE49-F238E27FC236}">
-                <a16:creationId xmlns:a16="http://schemas.microsoft.com/office/drawing/2014/main" id="{9883680E-3C44-4BEA-3AF5-6632FDD76E0B}"/>
+                <a16:creationId xmlns:a16="http://schemas.microsoft.com/office/drawing/2014/main" id="{70D2ACE8-25FA-7FE3-FD18-0EE7CFF5726D}"/>
               </a:ext>
             </a:extLst>
           </p:cNvPr>
@@ -8572,7 +9003,7 @@
           <p:cNvPr id="5" name="Picture 4">
             <a:extLst>
               <a:ext uri="{FF2B5EF4-FFF2-40B4-BE49-F238E27FC236}">
-                <a16:creationId xmlns:a16="http://schemas.microsoft.com/office/drawing/2014/main" id="{57E8F5C5-4624-C96B-C32A-4639251B3302}"/>
+                <a16:creationId xmlns:a16="http://schemas.microsoft.com/office/drawing/2014/main" id="{CAB3D7F0-BF85-70BF-51CF-4690C23F928A}"/>
               </a:ext>
             </a:extLst>
           </p:cNvPr>
@@ -8589,18 +9020,98 @@
         </p:blipFill>
         <p:spPr>
           <a:xfrm>
-            <a:off x="838200" y="900112"/>
-            <a:ext cx="7099300" cy="5638800"/>
+            <a:off x="2209800" y="1573325"/>
+            <a:ext cx="7772400" cy="3711349"/>
           </a:xfrm>
           <a:prstGeom prst="rect">
             <a:avLst/>
           </a:prstGeom>
         </p:spPr>
       </p:pic>
+      <p:sp>
+        <p:nvSpPr>
+          <p:cNvPr id="6" name="TextBox 5">
+            <a:extLst>
+              <a:ext uri="{FF2B5EF4-FFF2-40B4-BE49-F238E27FC236}">
+                <a16:creationId xmlns:a16="http://schemas.microsoft.com/office/drawing/2014/main" id="{4A919C81-99DA-7B77-F41D-381A442F362D}"/>
+              </a:ext>
+            </a:extLst>
+          </p:cNvPr>
+          <p:cNvSpPr txBox="1"/>
+          <p:nvPr/>
+        </p:nvSpPr>
+        <p:spPr>
+          <a:xfrm>
+            <a:off x="1592425" y="5636122"/>
+            <a:ext cx="9153468" cy="577081"/>
+          </a:xfrm>
+          <a:prstGeom prst="rect">
+            <a:avLst/>
+          </a:prstGeom>
+          <a:noFill/>
+        </p:spPr>
+        <p:txBody>
+          <a:bodyPr wrap="none" rtlCol="0">
+            <a:spAutoFit/>
+          </a:bodyPr>
+          <a:lstStyle/>
+          <a:p>
+            <a:r>
+              <a:rPr lang="en-US" sz="1050" dirty="0">
+                <a:effectLst/>
+                <a:latin typeface="LucidaBrightOT-Identity-H"/>
+              </a:rPr>
+              <a:t>Lou, Yin, Rich Caruana, Johannes Gehrke, and Giles Hooker (2013) </a:t>
+            </a:r>
+            <a:r>
+              <a:rPr lang="en-US" sz="1050" dirty="0">
+                <a:effectLst/>
+                <a:latin typeface="LucidaBrightOT-Identity-H"/>
+                <a:hlinkClick r:id="rId3"/>
+              </a:rPr>
+              <a:t>“Accurate intelligible models with pairwise interactions,”</a:t>
+            </a:r>
+            <a:r>
+              <a:rPr lang="en-US" sz="1050" dirty="0">
+                <a:effectLst/>
+                <a:latin typeface="LucidaBrightOT-Identity-H"/>
+              </a:rPr>
+              <a:t> in </a:t>
+            </a:r>
+            <a:r>
+              <a:rPr lang="en-US" sz="1050" dirty="0">
+                <a:effectLst/>
+                <a:latin typeface="LucidaBrightOT-Italic-Identity-H"/>
+              </a:rPr>
+              <a:t>Proceedings of the 19th ACM SIGKDD </a:t>
+            </a:r>
+          </a:p>
+          <a:p>
+            <a:r>
+              <a:rPr lang="en-US" sz="1050" dirty="0">
+                <a:effectLst/>
+                <a:latin typeface="LucidaBrightOT-Italic-Identity-H"/>
+              </a:rPr>
+              <a:t>international conference on Knowledge discovery and data mining</a:t>
+            </a:r>
+            <a:r>
+              <a:rPr lang="en-US" sz="1050" dirty="0">
+                <a:effectLst/>
+                <a:latin typeface="LucidaBrightOT-Identity-H"/>
+              </a:rPr>
+              <a:t>, 623–631. </a:t>
+            </a:r>
+            <a:endParaRPr lang="en-US" sz="1050" dirty="0"/>
+          </a:p>
+          <a:p>
+            <a:endParaRPr lang="en-US" sz="1050" dirty="0"/>
+          </a:p>
+        </p:txBody>
+      </p:sp>
     </p:spTree>
     <p:extLst>
       <p:ext uri="{BB962C8B-B14F-4D97-AF65-F5344CB8AC3E}">
-        <p14:creationId xmlns:p14="http://schemas.microsoft.com/office/powerpoint/2010/main" val="1090210190"/>
+        <p14:creationId xmlns:p14="http://schemas.microsoft.com/office/powerpoint/2010/main" val="1112976980"/>
       </p:ext>
     </p:extLst>
   </p:cSld>
